--- a/Architecture/R32V2020-RISC in EP4CE6.pptx
+++ b/Architecture/R32V2020-RISC in EP4CE6.pptx
@@ -2731,8 +2731,8 @@
         </p:nvSpPr>
         <p:spPr>
           <a:xfrm>
-            <a:off x="457200" y="274680"/>
-            <a:ext cx="8228880" cy="1142280"/>
+            <a:off x="457200" y="273600"/>
+            <a:ext cx="8228880" cy="1144440"/>
           </a:xfrm>
           <a:prstGeom prst="rect">
             <a:avLst/>
@@ -2766,7 +2766,7 @@
         <p:spPr>
           <a:xfrm>
             <a:off x="457200" y="1604520"/>
-            <a:ext cx="8229240" cy="3977280"/>
+            <a:ext cx="8228880" cy="3976920"/>
           </a:xfrm>
           <a:prstGeom prst="rect">
             <a:avLst/>
@@ -2789,12 +2789,12 @@
               <a:buChar char=""/>
             </a:pPr>
             <a:r>
-              <a:rPr b="0" lang="en-US" sz="3200" spc="-1" strike="noStrike">
+              <a:rPr b="0" lang="en-US" sz="1800" spc="-1" strike="noStrike">
                 <a:latin typeface="Arial"/>
               </a:rPr>
               <a:t>Click to edit the outline text format</a:t>
             </a:r>
-            <a:endParaRPr b="0" lang="en-US" sz="3200" spc="-1" strike="noStrike">
+            <a:endParaRPr b="0" lang="en-US" sz="1800" spc="-1" strike="noStrike">
               <a:latin typeface="Arial"/>
             </a:endParaRPr>
           </a:p>
@@ -2811,12 +2811,12 @@
               <a:buChar char=""/>
             </a:pPr>
             <a:r>
-              <a:rPr b="0" lang="en-US" sz="2800" spc="-1" strike="noStrike">
+              <a:rPr b="0" lang="en-US" sz="1800" spc="-1" strike="noStrike">
                 <a:latin typeface="Arial"/>
               </a:rPr>
               <a:t>Second Outline Level</a:t>
             </a:r>
-            <a:endParaRPr b="0" lang="en-US" sz="2800" spc="-1" strike="noStrike">
+            <a:endParaRPr b="0" lang="en-US" sz="1800" spc="-1" strike="noStrike">
               <a:latin typeface="Arial"/>
             </a:endParaRPr>
           </a:p>
@@ -2833,12 +2833,12 @@
               <a:buChar char=""/>
             </a:pPr>
             <a:r>
-              <a:rPr b="0" lang="en-US" sz="2400" spc="-1" strike="noStrike">
+              <a:rPr b="0" lang="en-US" sz="1800" spc="-1" strike="noStrike">
                 <a:latin typeface="Arial"/>
               </a:rPr>
               <a:t>Third Outline Level</a:t>
             </a:r>
-            <a:endParaRPr b="0" lang="en-US" sz="2400" spc="-1" strike="noStrike">
+            <a:endParaRPr b="0" lang="en-US" sz="1800" spc="-1" strike="noStrike">
               <a:latin typeface="Arial"/>
             </a:endParaRPr>
           </a:p>
@@ -2855,12 +2855,12 @@
               <a:buChar char=""/>
             </a:pPr>
             <a:r>
-              <a:rPr b="0" lang="en-US" sz="2000" spc="-1" strike="noStrike">
+              <a:rPr b="0" lang="en-US" sz="1800" spc="-1" strike="noStrike">
                 <a:latin typeface="Arial"/>
               </a:rPr>
               <a:t>Fourth Outline Level</a:t>
             </a:r>
-            <a:endParaRPr b="0" lang="en-US" sz="2000" spc="-1" strike="noStrike">
+            <a:endParaRPr b="0" lang="en-US" sz="1800" spc="-1" strike="noStrike">
               <a:latin typeface="Arial"/>
             </a:endParaRPr>
           </a:p>
@@ -2877,12 +2877,12 @@
               <a:buChar char=""/>
             </a:pPr>
             <a:r>
-              <a:rPr b="0" lang="en-US" sz="2000" spc="-1" strike="noStrike">
+              <a:rPr b="0" lang="en-US" sz="1800" spc="-1" strike="noStrike">
                 <a:latin typeface="Arial"/>
               </a:rPr>
               <a:t>Fifth Outline Level</a:t>
             </a:r>
-            <a:endParaRPr b="0" lang="en-US" sz="2000" spc="-1" strike="noStrike">
+            <a:endParaRPr b="0" lang="en-US" sz="1800" spc="-1" strike="noStrike">
               <a:latin typeface="Arial"/>
             </a:endParaRPr>
           </a:p>
@@ -2899,12 +2899,12 @@
               <a:buChar char=""/>
             </a:pPr>
             <a:r>
-              <a:rPr b="0" lang="en-US" sz="2000" spc="-1" strike="noStrike">
+              <a:rPr b="0" lang="en-US" sz="1800" spc="-1" strike="noStrike">
                 <a:latin typeface="Arial"/>
               </a:rPr>
               <a:t>Sixth Outline Level</a:t>
             </a:r>
-            <a:endParaRPr b="0" lang="en-US" sz="2000" spc="-1" strike="noStrike">
+            <a:endParaRPr b="0" lang="en-US" sz="1800" spc="-1" strike="noStrike">
               <a:latin typeface="Arial"/>
             </a:endParaRPr>
           </a:p>
@@ -2921,12 +2921,12 @@
               <a:buChar char=""/>
             </a:pPr>
             <a:r>
-              <a:rPr b="0" lang="en-US" sz="2000" spc="-1" strike="noStrike">
+              <a:rPr b="0" lang="en-US" sz="1800" spc="-1" strike="noStrike">
                 <a:latin typeface="Arial"/>
               </a:rPr>
               <a:t>Seventh Outline Level</a:t>
             </a:r>
-            <a:endParaRPr b="0" lang="en-US" sz="2000" spc="-1" strike="noStrike">
+            <a:endParaRPr b="0" lang="en-US" sz="1800" spc="-1" strike="noStrike">
               <a:latin typeface="Arial"/>
             </a:endParaRPr>
           </a:p>
@@ -3236,7 +3236,7 @@
         <p:spPr>
           <a:xfrm>
             <a:off x="685800" y="2130480"/>
-            <a:ext cx="7771680" cy="1469160"/>
+            <a:ext cx="7771320" cy="1468800"/>
           </a:xfrm>
           <a:prstGeom prst="rect">
             <a:avLst/>
@@ -3268,6 +3268,7 @@
                   <a:srgbClr val="000000"/>
                 </a:solidFill>
                 <a:latin typeface="Calibri"/>
+                <a:ea typeface="DejaVu Sans"/>
               </a:rPr>
               <a:t>R32V2020</a:t>
             </a:r>
@@ -3278,6 +3279,7 @@
                   <a:srgbClr val="000000"/>
                 </a:solidFill>
                 <a:latin typeface="Calibri"/>
+                <a:ea typeface="DejaVu Sans"/>
               </a:rPr>
               <a:t>32-bit RISC Processor in EP4CE6</a:t>
             </a:r>
@@ -3296,7 +3298,7 @@
         <p:spPr>
           <a:xfrm>
             <a:off x="1371600" y="3886200"/>
-            <a:ext cx="6400080" cy="1751760"/>
+            <a:ext cx="6399720" cy="1751400"/>
           </a:xfrm>
           <a:prstGeom prst="rect">
             <a:avLst/>
@@ -3329,6 +3331,7 @@
                   <a:srgbClr val="8b8b8b"/>
                 </a:solidFill>
                 <a:latin typeface="Calibri"/>
+                <a:ea typeface="DejaVu Sans"/>
               </a:rPr>
               <a:t>Land Boards</a:t>
             </a:r>
@@ -3351,6 +3354,7 @@
                   <a:srgbClr val="8b8b8b"/>
                 </a:solidFill>
                 <a:latin typeface="Calibri"/>
+                <a:ea typeface="DejaVu Sans"/>
               </a:rPr>
               <a:t>2019-04-25</a:t>
             </a:r>
@@ -3373,7 +3377,7 @@
         <p:spPr>
           <a:xfrm>
             <a:off x="7429680" y="5181480"/>
-            <a:ext cx="1561320" cy="1561320"/>
+            <a:ext cx="1560960" cy="1560960"/>
           </a:xfrm>
           <a:prstGeom prst="rect">
             <a:avLst/>
@@ -3441,7 +3445,7 @@
         <p:spPr>
           <a:xfrm>
             <a:off x="457200" y="274680"/>
-            <a:ext cx="8228880" cy="1142280"/>
+            <a:ext cx="8228520" cy="1141920"/>
           </a:xfrm>
           <a:prstGeom prst="rect">
             <a:avLst/>
@@ -3471,6 +3475,7 @@
                   <a:srgbClr val="000000"/>
                 </a:solidFill>
                 <a:latin typeface="Calibri"/>
+                <a:ea typeface="DejaVu Sans"/>
               </a:rPr>
               <a:t>Separate Address Spaces</a:t>
             </a:r>
@@ -3489,7 +3494,7 @@
         <p:spPr>
           <a:xfrm>
             <a:off x="457200" y="1600200"/>
-            <a:ext cx="8228880" cy="4525200"/>
+            <a:ext cx="8228520" cy="4524840"/>
           </a:xfrm>
           <a:prstGeom prst="rect">
             <a:avLst/>
@@ -3510,7 +3515,7 @@
             <a:normAutofit/>
           </a:bodyPr>
           <a:p>
-            <a:pPr marL="343080" indent="-342360">
+            <a:pPr marL="343080" indent="-342000">
               <a:lnSpc>
                 <a:spcPct val="100000"/>
               </a:lnSpc>
@@ -3529,6 +3534,7 @@
                   <a:srgbClr val="000000"/>
                 </a:solidFill>
                 <a:latin typeface="Calibri"/>
+                <a:ea typeface="DejaVu Sans"/>
               </a:rPr>
               <a:t>Four independent address spaces</a:t>
             </a:r>
@@ -3537,7 +3543,7 @@
             </a:endParaRPr>
           </a:p>
           <a:p>
-            <a:pPr lvl="2" marL="1143000" indent="-227880">
+            <a:pPr lvl="2" marL="1143000" indent="-227520">
               <a:lnSpc>
                 <a:spcPct val="100000"/>
               </a:lnSpc>
@@ -3556,6 +3562,7 @@
                   <a:srgbClr val="000000"/>
                 </a:solidFill>
                 <a:latin typeface="Calibri"/>
+                <a:ea typeface="DejaVu Sans"/>
               </a:rPr>
               <a:t>Instruction Space</a:t>
             </a:r>
@@ -3564,7 +3571,7 @@
             </a:endParaRPr>
           </a:p>
           <a:p>
-            <a:pPr lvl="2" marL="1143000" indent="-227880">
+            <a:pPr lvl="2" marL="1143000" indent="-227520">
               <a:lnSpc>
                 <a:spcPct val="100000"/>
               </a:lnSpc>
@@ -3583,6 +3590,7 @@
                   <a:srgbClr val="000000"/>
                 </a:solidFill>
                 <a:latin typeface="Calibri"/>
+                <a:ea typeface="DejaVu Sans"/>
               </a:rPr>
               <a:t>Peripheral Space</a:t>
             </a:r>
@@ -3591,7 +3599,7 @@
             </a:endParaRPr>
           </a:p>
           <a:p>
-            <a:pPr lvl="2" marL="1143000" indent="-227880">
+            <a:pPr lvl="2" marL="1143000" indent="-227520">
               <a:lnSpc>
                 <a:spcPct val="100000"/>
               </a:lnSpc>
@@ -3610,6 +3618,7 @@
                   <a:srgbClr val="000000"/>
                 </a:solidFill>
                 <a:latin typeface="Calibri"/>
+                <a:ea typeface="DejaVu Sans"/>
               </a:rPr>
               <a:t>Data Space</a:t>
             </a:r>
@@ -3618,7 +3627,7 @@
             </a:endParaRPr>
           </a:p>
           <a:p>
-            <a:pPr lvl="2" marL="1143000" indent="-227880">
+            <a:pPr lvl="2" marL="1143000" indent="-227520">
               <a:lnSpc>
                 <a:spcPct val="100000"/>
               </a:lnSpc>
@@ -3637,6 +3646,7 @@
                   <a:srgbClr val="000000"/>
                 </a:solidFill>
                 <a:latin typeface="Calibri"/>
+                <a:ea typeface="DejaVu Sans"/>
               </a:rPr>
               <a:t>Stack Space</a:t>
             </a:r>
@@ -3645,7 +3655,7 @@
             </a:endParaRPr>
           </a:p>
           <a:p>
-            <a:pPr lvl="1" marL="743040" indent="-285120">
+            <a:pPr lvl="1" marL="743040" indent="-284760">
               <a:lnSpc>
                 <a:spcPct val="100000"/>
               </a:lnSpc>
@@ -3664,6 +3674,7 @@
                   <a:srgbClr val="000000"/>
                 </a:solidFill>
                 <a:latin typeface="Calibri"/>
+                <a:ea typeface="DejaVu Sans"/>
               </a:rPr>
               <a:t>There is plenty of interconnect in the FPGA</a:t>
             </a:r>
@@ -3672,7 +3683,7 @@
             </a:endParaRPr>
           </a:p>
           <a:p>
-            <a:pPr lvl="1" marL="743040" indent="-285120">
+            <a:pPr lvl="1" marL="743040" indent="-284760">
               <a:lnSpc>
                 <a:spcPct val="100000"/>
               </a:lnSpc>
@@ -3691,6 +3702,7 @@
                   <a:srgbClr val="000000"/>
                 </a:solidFill>
                 <a:latin typeface="Calibri"/>
+                <a:ea typeface="DejaVu Sans"/>
               </a:rPr>
               <a:t>Reduces multiplexing</a:t>
             </a:r>
@@ -3699,7 +3711,7 @@
             </a:endParaRPr>
           </a:p>
           <a:p>
-            <a:pPr lvl="2" marL="1143000" indent="-227880">
+            <a:pPr lvl="2" marL="1143000" indent="-227520">
               <a:lnSpc>
                 <a:spcPct val="100000"/>
               </a:lnSpc>
@@ -3718,6 +3730,7 @@
                   <a:srgbClr val="000000"/>
                 </a:solidFill>
                 <a:latin typeface="Calibri"/>
+                <a:ea typeface="DejaVu Sans"/>
               </a:rPr>
               <a:t>All writes are posted (don’t block the CPU unless the bus is busy from the last write</a:t>
             </a:r>
@@ -3726,7 +3739,7 @@
             </a:endParaRPr>
           </a:p>
           <a:p>
-            <a:pPr lvl="3" marL="1600200" indent="-227880">
+            <a:pPr lvl="3" marL="1600200" indent="-227520">
               <a:lnSpc>
                 <a:spcPct val="100000"/>
               </a:lnSpc>
@@ -3745,6 +3758,7 @@
                   <a:srgbClr val="000000"/>
                 </a:solidFill>
                 <a:latin typeface="Calibri"/>
+                <a:ea typeface="DejaVu Sans"/>
               </a:rPr>
               <a:t>With internal SRAM for most spaces they won’t be</a:t>
             </a:r>
@@ -3753,7 +3767,7 @@
             </a:endParaRPr>
           </a:p>
           <a:p>
-            <a:pPr lvl="3" marL="1600200" indent="-227880">
+            <a:pPr lvl="3" marL="1600200" indent="-227520">
               <a:lnSpc>
                 <a:spcPct val="100000"/>
               </a:lnSpc>
@@ -3772,6 +3786,7 @@
                   <a:srgbClr val="000000"/>
                 </a:solidFill>
                 <a:latin typeface="Calibri"/>
+                <a:ea typeface="DejaVu Sans"/>
               </a:rPr>
               <a:t>Peripheral bus could be busy with slow periph.</a:t>
             </a:r>
@@ -3807,7 +3822,7 @@
         <p:spPr>
           <a:xfrm>
             <a:off x="7429680" y="5181480"/>
-            <a:ext cx="1561320" cy="1561320"/>
+            <a:ext cx="1560960" cy="1560960"/>
           </a:xfrm>
           <a:prstGeom prst="rect">
             <a:avLst/>
@@ -3826,7 +3841,7 @@
         <p:spPr>
           <a:xfrm>
             <a:off x="457200" y="6356520"/>
-            <a:ext cx="2133000" cy="364320"/>
+            <a:ext cx="2132640" cy="363960"/>
           </a:xfrm>
           <a:prstGeom prst="rect">
             <a:avLst/>
@@ -3850,12 +3865,13 @@
                 <a:spcPct val="100000"/>
               </a:lnSpc>
             </a:pPr>
-            <a:fld id="{3B761C06-3133-4EA0-9733-CCD088B96268}" type="datetime1">
+            <a:fld id="{8F62F39F-2107-430F-A215-F203F3339B3B}" type="datetime1">
               <a:rPr b="0" lang="en-US" sz="1200" spc="-1" strike="noStrike">
                 <a:solidFill>
                   <a:srgbClr val="8b8b8b"/>
                 </a:solidFill>
                 <a:latin typeface="Calibri"/>
+                <a:ea typeface="DejaVu Sans"/>
               </a:rPr>
               <a:t>04/28/2019</a:t>
             </a:fld>
@@ -3874,7 +3890,7 @@
         <p:spPr>
           <a:xfrm>
             <a:off x="3124080" y="6356520"/>
-            <a:ext cx="2894760" cy="364320"/>
+            <a:ext cx="2894400" cy="363960"/>
           </a:xfrm>
           <a:prstGeom prst="rect">
             <a:avLst/>
@@ -3904,6 +3920,7 @@
                   <a:srgbClr val="8b8b8b"/>
                 </a:solidFill>
                 <a:latin typeface="Calibri"/>
+                <a:ea typeface="DejaVu Sans"/>
               </a:rPr>
               <a:t>R32V2020</a:t>
             </a:r>
@@ -3922,7 +3939,7 @@
         <p:spPr>
           <a:xfrm>
             <a:off x="6553080" y="6356520"/>
-            <a:ext cx="2133000" cy="364320"/>
+            <a:ext cx="2132640" cy="363960"/>
           </a:xfrm>
           <a:prstGeom prst="rect">
             <a:avLst/>
@@ -3946,14 +3963,15 @@
                 <a:spcPct val="100000"/>
               </a:lnSpc>
             </a:pPr>
-            <a:fld id="{5DEEAF5A-AA23-493C-99D1-73F0A2F3E7F8}" type="slidenum">
+            <a:fld id="{5890643E-FB58-4213-88AD-D69FD64BBBD1}" type="slidenum">
               <a:rPr b="0" lang="en-US" sz="1200" spc="-1" strike="noStrike">
                 <a:solidFill>
                   <a:srgbClr val="8b8b8b"/>
                 </a:solidFill>
                 <a:latin typeface="Calibri"/>
-              </a:rPr>
-              <a:t>1</a:t>
+                <a:ea typeface="DejaVu Sans"/>
+              </a:rPr>
+              <a:t>&lt;number&gt;</a:t>
             </a:fld>
             <a:endParaRPr b="0" lang="en-US" sz="1200" spc="-1" strike="noStrike">
               <a:latin typeface="Arial"/>
@@ -4019,7 +4037,7 @@
         <p:spPr>
           <a:xfrm>
             <a:off x="457200" y="274680"/>
-            <a:ext cx="8228880" cy="1142280"/>
+            <a:ext cx="8228520" cy="1141920"/>
           </a:xfrm>
           <a:prstGeom prst="rect">
             <a:avLst/>
@@ -4049,6 +4067,7 @@
                   <a:srgbClr val="000000"/>
                 </a:solidFill>
                 <a:latin typeface="Calibri"/>
+                <a:ea typeface="DejaVu Sans"/>
               </a:rPr>
               <a:t>Instruction Space</a:t>
             </a:r>
@@ -4067,7 +4086,7 @@
         <p:spPr>
           <a:xfrm>
             <a:off x="457200" y="1600200"/>
-            <a:ext cx="8228880" cy="4525200"/>
+            <a:ext cx="8228520" cy="4524840"/>
           </a:xfrm>
           <a:prstGeom prst="rect">
             <a:avLst/>
@@ -4088,7 +4107,7 @@
             <a:normAutofit/>
           </a:bodyPr>
           <a:p>
-            <a:pPr marL="343080" indent="-342360">
+            <a:pPr marL="343080" indent="-342000">
               <a:lnSpc>
                 <a:spcPct val="100000"/>
               </a:lnSpc>
@@ -4107,6 +4126,7 @@
                   <a:srgbClr val="000000"/>
                 </a:solidFill>
                 <a:latin typeface="Calibri"/>
+                <a:ea typeface="DejaVu Sans"/>
               </a:rPr>
               <a:t>On-chip Dual Port RAM</a:t>
             </a:r>
@@ -4115,7 +4135,7 @@
             </a:endParaRPr>
           </a:p>
           <a:p>
-            <a:pPr lvl="1" marL="743040" indent="-285120">
+            <a:pPr lvl="1" marL="743040" indent="-284760">
               <a:lnSpc>
                 <a:spcPct val="100000"/>
               </a:lnSpc>
@@ -4134,6 +4154,7 @@
                   <a:srgbClr val="000000"/>
                 </a:solidFill>
                 <a:latin typeface="Calibri"/>
+                <a:ea typeface="DejaVu Sans"/>
               </a:rPr>
               <a:t>Read-only from the CPU</a:t>
             </a:r>
@@ -4142,7 +4163,7 @@
             </a:endParaRPr>
           </a:p>
           <a:p>
-            <a:pPr lvl="1" marL="743040" indent="-285120">
+            <a:pPr lvl="1" marL="743040" indent="-284760">
               <a:lnSpc>
                 <a:spcPct val="100000"/>
               </a:lnSpc>
@@ -4161,6 +4182,7 @@
                   <a:srgbClr val="000000"/>
                 </a:solidFill>
                 <a:latin typeface="Calibri"/>
+                <a:ea typeface="DejaVu Sans"/>
               </a:rPr>
               <a:t>Write-able from physical loader connection</a:t>
             </a:r>
@@ -4169,7 +4191,7 @@
             </a:endParaRPr>
           </a:p>
           <a:p>
-            <a:pPr marL="343080" indent="-342360">
+            <a:pPr marL="343080" indent="-342000">
               <a:lnSpc>
                 <a:spcPct val="100000"/>
               </a:lnSpc>
@@ -4188,6 +4210,7 @@
                   <a:srgbClr val="000000"/>
                 </a:solidFill>
                 <a:latin typeface="Calibri"/>
+                <a:ea typeface="DejaVu Sans"/>
               </a:rPr>
               <a:t>32-bit instructions</a:t>
             </a:r>
@@ -4196,7 +4219,7 @@
             </a:endParaRPr>
           </a:p>
           <a:p>
-            <a:pPr lvl="1" marL="743040" indent="-285120">
+            <a:pPr lvl="1" marL="743040" indent="-284760">
               <a:lnSpc>
                 <a:spcPct val="100000"/>
               </a:lnSpc>
@@ -4215,6 +4238,7 @@
                   <a:srgbClr val="000000"/>
                 </a:solidFill>
                 <a:latin typeface="Calibri"/>
+                <a:ea typeface="DejaVu Sans"/>
               </a:rPr>
               <a:t>Fixed instruction length (not ever variable)</a:t>
             </a:r>
@@ -4223,7 +4247,7 @@
             </a:endParaRPr>
           </a:p>
           <a:p>
-            <a:pPr lvl="1" marL="743040" indent="-285120">
+            <a:pPr lvl="1" marL="743040" indent="-284760">
               <a:lnSpc>
                 <a:spcPct val="100000"/>
               </a:lnSpc>
@@ -4242,6 +4266,7 @@
                   <a:srgbClr val="000000"/>
                 </a:solidFill>
                 <a:latin typeface="Calibri"/>
+                <a:ea typeface="DejaVu Sans"/>
               </a:rPr>
               <a:t>Fields in consistent positions</a:t>
             </a:r>
@@ -4250,7 +4275,7 @@
             </a:endParaRPr>
           </a:p>
           <a:p>
-            <a:pPr marL="343080" indent="-342360">
+            <a:pPr marL="343080" indent="-342000">
               <a:lnSpc>
                 <a:spcPct val="100000"/>
               </a:lnSpc>
@@ -4269,6 +4294,7 @@
                   <a:srgbClr val="000000"/>
                 </a:solidFill>
                 <a:latin typeface="Calibri"/>
+                <a:ea typeface="DejaVu Sans"/>
               </a:rPr>
               <a:t>16-bits of address in EP4 FPGA (extensible)</a:t>
             </a:r>
@@ -4277,7 +4303,7 @@
             </a:endParaRPr>
           </a:p>
           <a:p>
-            <a:pPr lvl="1" marL="743040" indent="-285120">
+            <a:pPr lvl="1" marL="743040" indent="-284760">
               <a:lnSpc>
                 <a:spcPct val="100000"/>
               </a:lnSpc>
@@ -4296,6 +4322,7 @@
                   <a:srgbClr val="000000"/>
                 </a:solidFill>
                 <a:latin typeface="Calibri"/>
+                <a:ea typeface="DejaVu Sans"/>
               </a:rPr>
               <a:t>Designed for 32-bit addresses</a:t>
             </a:r>
@@ -4304,7 +4331,7 @@
             </a:endParaRPr>
           </a:p>
           <a:p>
-            <a:pPr lvl="1" marL="743040" indent="-285120">
+            <a:pPr lvl="1" marL="743040" indent="-284760">
               <a:lnSpc>
                 <a:spcPct val="100000"/>
               </a:lnSpc>
@@ -4323,6 +4350,7 @@
                   <a:srgbClr val="000000"/>
                 </a:solidFill>
                 <a:latin typeface="Calibri"/>
+                <a:ea typeface="DejaVu Sans"/>
               </a:rPr>
               <a:t>EP4CE6 has limited space...</a:t>
             </a:r>
@@ -4345,7 +4373,7 @@
         <p:spPr>
           <a:xfrm>
             <a:off x="7429680" y="5181480"/>
-            <a:ext cx="1561320" cy="1561320"/>
+            <a:ext cx="1560960" cy="1560960"/>
           </a:xfrm>
           <a:prstGeom prst="rect">
             <a:avLst/>
@@ -4364,7 +4392,7 @@
         <p:spPr>
           <a:xfrm>
             <a:off x="457200" y="6356520"/>
-            <a:ext cx="2133000" cy="364320"/>
+            <a:ext cx="2132640" cy="363960"/>
           </a:xfrm>
           <a:prstGeom prst="rect">
             <a:avLst/>
@@ -4388,12 +4416,13 @@
                 <a:spcPct val="100000"/>
               </a:lnSpc>
             </a:pPr>
-            <a:fld id="{22A95B08-C727-44ED-9EBA-8426BD1CEB7C}" type="datetime1">
+            <a:fld id="{AEEFD859-061D-4878-8598-6F0CDA3E0490}" type="datetime1">
               <a:rPr b="0" lang="en-US" sz="1200" spc="-1" strike="noStrike">
                 <a:solidFill>
                   <a:srgbClr val="8b8b8b"/>
                 </a:solidFill>
                 <a:latin typeface="Calibri"/>
+                <a:ea typeface="DejaVu Sans"/>
               </a:rPr>
               <a:t>04/28/2019</a:t>
             </a:fld>
@@ -4412,7 +4441,7 @@
         <p:spPr>
           <a:xfrm>
             <a:off x="3124080" y="6356520"/>
-            <a:ext cx="2894760" cy="364320"/>
+            <a:ext cx="2894400" cy="363960"/>
           </a:xfrm>
           <a:prstGeom prst="rect">
             <a:avLst/>
@@ -4442,6 +4471,7 @@
                   <a:srgbClr val="8b8b8b"/>
                 </a:solidFill>
                 <a:latin typeface="Calibri"/>
+                <a:ea typeface="DejaVu Sans"/>
               </a:rPr>
               <a:t>R32V2020</a:t>
             </a:r>
@@ -4460,7 +4490,7 @@
         <p:spPr>
           <a:xfrm>
             <a:off x="6553080" y="6356520"/>
-            <a:ext cx="2133000" cy="364320"/>
+            <a:ext cx="2132640" cy="363960"/>
           </a:xfrm>
           <a:prstGeom prst="rect">
             <a:avLst/>
@@ -4484,14 +4514,15 @@
                 <a:spcPct val="100000"/>
               </a:lnSpc>
             </a:pPr>
-            <a:fld id="{E6A86BB7-F84A-4573-887C-5FC1CCF98356}" type="slidenum">
+            <a:fld id="{589DFB09-5BB4-4A18-B678-0AD1552A193F}" type="slidenum">
               <a:rPr b="0" lang="en-US" sz="1200" spc="-1" strike="noStrike">
                 <a:solidFill>
                   <a:srgbClr val="8b8b8b"/>
                 </a:solidFill>
                 <a:latin typeface="Calibri"/>
-              </a:rPr>
-              <a:t>1</a:t>
+                <a:ea typeface="DejaVu Sans"/>
+              </a:rPr>
+              <a:t>&lt;number&gt;</a:t>
             </a:fld>
             <a:endParaRPr b="0" lang="en-US" sz="1200" spc="-1" strike="noStrike">
               <a:latin typeface="Arial"/>
@@ -4557,7 +4588,7 @@
         <p:spPr>
           <a:xfrm>
             <a:off x="457200" y="274680"/>
-            <a:ext cx="8228880" cy="1142280"/>
+            <a:ext cx="8228520" cy="1141920"/>
           </a:xfrm>
           <a:prstGeom prst="rect">
             <a:avLst/>
@@ -4587,6 +4618,7 @@
                   <a:srgbClr val="000000"/>
                 </a:solidFill>
                 <a:latin typeface="Calibri"/>
+                <a:ea typeface="DejaVu Sans"/>
               </a:rPr>
               <a:t>Peripheral Space</a:t>
             </a:r>
@@ -4605,7 +4637,7 @@
         <p:spPr>
           <a:xfrm>
             <a:off x="457200" y="1600200"/>
-            <a:ext cx="8228880" cy="4525200"/>
+            <a:ext cx="8228520" cy="4524840"/>
           </a:xfrm>
           <a:prstGeom prst="rect">
             <a:avLst/>
@@ -4626,7 +4658,7 @@
             <a:normAutofit/>
           </a:bodyPr>
           <a:p>
-            <a:pPr marL="343080" indent="-342360">
+            <a:pPr marL="343080" indent="-342000">
               <a:lnSpc>
                 <a:spcPct val="100000"/>
               </a:lnSpc>
@@ -4645,6 +4677,7 @@
                   <a:srgbClr val="000000"/>
                 </a:solidFill>
                 <a:latin typeface="Calibri"/>
+                <a:ea typeface="DejaVu Sans"/>
               </a:rPr>
               <a:t>Needs to work with current set of peripherals</a:t>
             </a:r>
@@ -4653,7 +4686,7 @@
             </a:endParaRPr>
           </a:p>
           <a:p>
-            <a:pPr lvl="1" marL="743040" indent="-285120">
+            <a:pPr lvl="1" marL="743040" indent="-284760">
               <a:lnSpc>
                 <a:spcPct val="100000"/>
               </a:lnSpc>
@@ -4672,6 +4705,7 @@
                   <a:srgbClr val="000000"/>
                 </a:solidFill>
                 <a:latin typeface="Calibri"/>
+                <a:ea typeface="DejaVu Sans"/>
               </a:rPr>
               <a:t>Memory Mapped Display</a:t>
             </a:r>
@@ -4680,7 +4714,7 @@
             </a:endParaRPr>
           </a:p>
           <a:p>
-            <a:pPr lvl="1" marL="743040" indent="-285120">
+            <a:pPr lvl="1" marL="743040" indent="-284760">
               <a:lnSpc>
                 <a:spcPct val="100000"/>
               </a:lnSpc>
@@ -4699,6 +4733,7 @@
                   <a:srgbClr val="000000"/>
                 </a:solidFill>
                 <a:latin typeface="Calibri"/>
+                <a:ea typeface="DejaVu Sans"/>
               </a:rPr>
               <a:t>Terminal</a:t>
             </a:r>
@@ -4707,7 +4742,7 @@
             </a:endParaRPr>
           </a:p>
           <a:p>
-            <a:pPr lvl="1" marL="743040" indent="-285120">
+            <a:pPr lvl="1" marL="743040" indent="-284760">
               <a:lnSpc>
                 <a:spcPct val="100000"/>
               </a:lnSpc>
@@ -4726,6 +4761,7 @@
                   <a:srgbClr val="000000"/>
                 </a:solidFill>
                 <a:latin typeface="Calibri"/>
+                <a:ea typeface="DejaVu Sans"/>
               </a:rPr>
               <a:t>UART</a:t>
             </a:r>
@@ -4734,7 +4770,7 @@
             </a:endParaRPr>
           </a:p>
           <a:p>
-            <a:pPr lvl="1" marL="743040" indent="-285120">
+            <a:pPr lvl="1" marL="743040" indent="-284760">
               <a:lnSpc>
                 <a:spcPct val="100000"/>
               </a:lnSpc>
@@ -4753,6 +4789,7 @@
                   <a:srgbClr val="000000"/>
                 </a:solidFill>
                 <a:latin typeface="Calibri"/>
+                <a:ea typeface="DejaVu Sans"/>
               </a:rPr>
               <a:t>Latches (LEDs, etc)</a:t>
             </a:r>
@@ -4761,7 +4798,7 @@
             </a:endParaRPr>
           </a:p>
           <a:p>
-            <a:pPr lvl="1" marL="743040" indent="-285120">
+            <a:pPr lvl="1" marL="743040" indent="-284760">
               <a:lnSpc>
                 <a:spcPct val="100000"/>
               </a:lnSpc>
@@ -4780,6 +4817,7 @@
                   <a:srgbClr val="000000"/>
                 </a:solidFill>
                 <a:latin typeface="Calibri"/>
+                <a:ea typeface="DejaVu Sans"/>
               </a:rPr>
               <a:t>Read buffers (Switches, etc)</a:t>
             </a:r>
@@ -4788,7 +4826,7 @@
             </a:endParaRPr>
           </a:p>
           <a:p>
-            <a:pPr marL="343080" indent="-342360">
+            <a:pPr marL="343080" indent="-342000">
               <a:lnSpc>
                 <a:spcPct val="100000"/>
               </a:lnSpc>
@@ -4807,6 +4845,7 @@
                   <a:srgbClr val="000000"/>
                 </a:solidFill>
                 <a:latin typeface="Calibri"/>
+                <a:ea typeface="DejaVu Sans"/>
               </a:rPr>
               <a:t>Address/Data match current peripheral space</a:t>
             </a:r>
@@ -4815,7 +4854,7 @@
             </a:endParaRPr>
           </a:p>
           <a:p>
-            <a:pPr lvl="1" marL="743040" indent="-285120">
+            <a:pPr lvl="1" marL="743040" indent="-284760">
               <a:lnSpc>
                 <a:spcPct val="100000"/>
               </a:lnSpc>
@@ -4834,6 +4873,7 @@
                   <a:srgbClr val="000000"/>
                 </a:solidFill>
                 <a:latin typeface="Calibri"/>
+                <a:ea typeface="DejaVu Sans"/>
               </a:rPr>
               <a:t>16-bits of address is typically plenty</a:t>
             </a:r>
@@ -4842,7 +4882,7 @@
             </a:endParaRPr>
           </a:p>
           <a:p>
-            <a:pPr lvl="1" marL="743040" indent="-285120">
+            <a:pPr lvl="1" marL="743040" indent="-284760">
               <a:lnSpc>
                 <a:spcPct val="100000"/>
               </a:lnSpc>
@@ -4861,6 +4901,7 @@
                   <a:srgbClr val="000000"/>
                 </a:solidFill>
                 <a:latin typeface="Calibri"/>
+                <a:ea typeface="DejaVu Sans"/>
               </a:rPr>
               <a:t>8-bits of data is typical</a:t>
             </a:r>
@@ -4869,7 +4910,7 @@
             </a:endParaRPr>
           </a:p>
           <a:p>
-            <a:pPr lvl="2" marL="1143000" indent="-227880">
+            <a:pPr lvl="2" marL="1143000" indent="-227520">
               <a:lnSpc>
                 <a:spcPct val="100000"/>
               </a:lnSpc>
@@ -4888,6 +4929,7 @@
                   <a:srgbClr val="000000"/>
                 </a:solidFill>
                 <a:latin typeface="Calibri"/>
+                <a:ea typeface="DejaVu Sans"/>
               </a:rPr>
               <a:t>Reads/writes use bottom 8 bits of src/dest</a:t>
             </a:r>
@@ -4896,7 +4938,7 @@
             </a:endParaRPr>
           </a:p>
           <a:p>
-            <a:pPr lvl="3" marL="1600200" indent="-227880">
+            <a:pPr lvl="3" marL="1600200" indent="-227520">
               <a:lnSpc>
                 <a:spcPct val="100000"/>
               </a:lnSpc>
@@ -4915,6 +4957,7 @@
                   <a:srgbClr val="000000"/>
                 </a:solidFill>
                 <a:latin typeface="Calibri"/>
+                <a:ea typeface="DejaVu Sans"/>
               </a:rPr>
               <a:t>Zero pad the rest of the bits when read</a:t>
             </a:r>
@@ -4923,7 +4966,7 @@
             </a:endParaRPr>
           </a:p>
           <a:p>
-            <a:pPr lvl="2" marL="1143000" indent="-227880">
+            <a:pPr lvl="2" marL="1143000" indent="-227520">
               <a:lnSpc>
                 <a:spcPct val="100000"/>
               </a:lnSpc>
@@ -4942,6 +4985,7 @@
                   <a:srgbClr val="000000"/>
                 </a:solidFill>
                 <a:latin typeface="Calibri"/>
+                <a:ea typeface="DejaVu Sans"/>
               </a:rPr>
               <a:t>Could be 32-bits, for instance counters</a:t>
             </a:r>
@@ -4964,7 +5008,7 @@
         <p:spPr>
           <a:xfrm>
             <a:off x="7429680" y="5181480"/>
-            <a:ext cx="1561320" cy="1561320"/>
+            <a:ext cx="1560960" cy="1560960"/>
           </a:xfrm>
           <a:prstGeom prst="rect">
             <a:avLst/>
@@ -4983,7 +5027,7 @@
         <p:spPr>
           <a:xfrm>
             <a:off x="457200" y="6356520"/>
-            <a:ext cx="2133000" cy="364320"/>
+            <a:ext cx="2132640" cy="363960"/>
           </a:xfrm>
           <a:prstGeom prst="rect">
             <a:avLst/>
@@ -5007,12 +5051,13 @@
                 <a:spcPct val="100000"/>
               </a:lnSpc>
             </a:pPr>
-            <a:fld id="{8B42493E-28EB-4E0D-B2EF-E4C4B77BFBEF}" type="datetime1">
+            <a:fld id="{58AD0310-7A16-4B7B-A690-B49B8E1E9884}" type="datetime1">
               <a:rPr b="0" lang="en-US" sz="1200" spc="-1" strike="noStrike">
                 <a:solidFill>
                   <a:srgbClr val="8b8b8b"/>
                 </a:solidFill>
                 <a:latin typeface="Calibri"/>
+                <a:ea typeface="DejaVu Sans"/>
               </a:rPr>
               <a:t>04/28/2019</a:t>
             </a:fld>
@@ -5031,7 +5076,7 @@
         <p:spPr>
           <a:xfrm>
             <a:off x="3124080" y="6356520"/>
-            <a:ext cx="2894760" cy="364320"/>
+            <a:ext cx="2894400" cy="363960"/>
           </a:xfrm>
           <a:prstGeom prst="rect">
             <a:avLst/>
@@ -5061,6 +5106,7 @@
                   <a:srgbClr val="8b8b8b"/>
                 </a:solidFill>
                 <a:latin typeface="Calibri"/>
+                <a:ea typeface="DejaVu Sans"/>
               </a:rPr>
               <a:t>R32V2020</a:t>
             </a:r>
@@ -5079,7 +5125,7 @@
         <p:spPr>
           <a:xfrm>
             <a:off x="6553080" y="6356520"/>
-            <a:ext cx="2133000" cy="364320"/>
+            <a:ext cx="2132640" cy="363960"/>
           </a:xfrm>
           <a:prstGeom prst="rect">
             <a:avLst/>
@@ -5103,14 +5149,15 @@
                 <a:spcPct val="100000"/>
               </a:lnSpc>
             </a:pPr>
-            <a:fld id="{10107F8E-0CEF-42D8-A84A-B0E1B2029AC1}" type="slidenum">
+            <a:fld id="{1A19E893-956C-4A83-8B4E-FB293A61F343}" type="slidenum">
               <a:rPr b="0" lang="en-US" sz="1200" spc="-1" strike="noStrike">
                 <a:solidFill>
                   <a:srgbClr val="8b8b8b"/>
                 </a:solidFill>
                 <a:latin typeface="Calibri"/>
-              </a:rPr>
-              <a:t>1</a:t>
+                <a:ea typeface="DejaVu Sans"/>
+              </a:rPr>
+              <a:t>&lt;number&gt;</a:t>
             </a:fld>
             <a:endParaRPr b="0" lang="en-US" sz="1200" spc="-1" strike="noStrike">
               <a:latin typeface="Arial"/>
@@ -5176,7 +5223,7 @@
         <p:spPr>
           <a:xfrm>
             <a:off x="457200" y="274680"/>
-            <a:ext cx="8228880" cy="1142280"/>
+            <a:ext cx="8228520" cy="1141920"/>
           </a:xfrm>
           <a:prstGeom prst="rect">
             <a:avLst/>
@@ -5206,6 +5253,7 @@
                   <a:srgbClr val="000000"/>
                 </a:solidFill>
                 <a:latin typeface="Calibri"/>
+                <a:ea typeface="DejaVu Sans"/>
               </a:rPr>
               <a:t>Data Space</a:t>
             </a:r>
@@ -5224,7 +5272,7 @@
         <p:spPr>
           <a:xfrm>
             <a:off x="457200" y="1600200"/>
-            <a:ext cx="8228880" cy="4525200"/>
+            <a:ext cx="8228520" cy="4524840"/>
           </a:xfrm>
           <a:prstGeom prst="rect">
             <a:avLst/>
@@ -5245,7 +5293,7 @@
             <a:normAutofit/>
           </a:bodyPr>
           <a:p>
-            <a:pPr marL="343080" indent="-342360">
+            <a:pPr marL="343080" indent="-342000">
               <a:lnSpc>
                 <a:spcPct val="100000"/>
               </a:lnSpc>
@@ -5264,6 +5312,7 @@
                   <a:srgbClr val="000000"/>
                 </a:solidFill>
                 <a:latin typeface="Calibri"/>
+                <a:ea typeface="DejaVu Sans"/>
               </a:rPr>
               <a:t>On-chip Dual Port RAM</a:t>
             </a:r>
@@ -5272,7 +5321,7 @@
             </a:endParaRPr>
           </a:p>
           <a:p>
-            <a:pPr lvl="1" marL="743040" indent="-285120">
+            <a:pPr lvl="1" marL="743040" indent="-284760">
               <a:lnSpc>
                 <a:spcPct val="100000"/>
               </a:lnSpc>
@@ -5291,6 +5340,7 @@
                   <a:srgbClr val="000000"/>
                 </a:solidFill>
                 <a:latin typeface="Calibri"/>
+                <a:ea typeface="DejaVu Sans"/>
               </a:rPr>
               <a:t>Data space is Read-Write from the CPU</a:t>
             </a:r>
@@ -5299,7 +5349,7 @@
             </a:endParaRPr>
           </a:p>
           <a:p>
-            <a:pPr marL="343080" indent="-342360">
+            <a:pPr marL="343080" indent="-342000">
               <a:lnSpc>
                 <a:spcPct val="100000"/>
               </a:lnSpc>
@@ -5318,6 +5368,7 @@
                   <a:srgbClr val="000000"/>
                 </a:solidFill>
                 <a:latin typeface="Calibri"/>
+                <a:ea typeface="DejaVu Sans"/>
               </a:rPr>
               <a:t>16-bits of address in EP4 FPGA (extensible)</a:t>
             </a:r>
@@ -5326,7 +5377,7 @@
             </a:endParaRPr>
           </a:p>
           <a:p>
-            <a:pPr lvl="1" marL="743040" indent="-285120">
+            <a:pPr lvl="1" marL="743040" indent="-284760">
               <a:lnSpc>
                 <a:spcPct val="100000"/>
               </a:lnSpc>
@@ -5345,6 +5396,7 @@
                   <a:srgbClr val="000000"/>
                 </a:solidFill>
                 <a:latin typeface="Calibri"/>
+                <a:ea typeface="DejaVu Sans"/>
               </a:rPr>
               <a:t>32 bits of data</a:t>
             </a:r>
@@ -5353,7 +5405,7 @@
             </a:endParaRPr>
           </a:p>
           <a:p>
-            <a:pPr lvl="1" marL="743040" indent="-285120">
+            <a:pPr lvl="1" marL="743040" indent="-284760">
               <a:lnSpc>
                 <a:spcPct val="100000"/>
               </a:lnSpc>
@@ -5372,6 +5424,7 @@
                   <a:srgbClr val="000000"/>
                 </a:solidFill>
                 <a:latin typeface="Calibri"/>
+                <a:ea typeface="DejaVu Sans"/>
               </a:rPr>
               <a:t>Up to 64K Long words of data</a:t>
             </a:r>
@@ -5380,7 +5433,7 @@
             </a:endParaRPr>
           </a:p>
           <a:p>
-            <a:pPr marL="343080" indent="-342360">
+            <a:pPr marL="343080" indent="-342000">
               <a:lnSpc>
                 <a:spcPct val="100000"/>
               </a:lnSpc>
@@ -5399,6 +5452,7 @@
                   <a:srgbClr val="000000"/>
                 </a:solidFill>
                 <a:latin typeface="Calibri"/>
+                <a:ea typeface="DejaVu Sans"/>
               </a:rPr>
               <a:t>Use is strictly limited to moves between </a:t>
             </a:r>
@@ -5409,6 +5463,7 @@
                   <a:srgbClr val="000000"/>
                 </a:solidFill>
                 <a:latin typeface="Calibri"/>
+                <a:ea typeface="DejaVu Sans"/>
               </a:rPr>
               <a:t>Data Address Space and Registers</a:t>
             </a:r>
@@ -5431,7 +5486,7 @@
         <p:spPr>
           <a:xfrm>
             <a:off x="7429680" y="5181480"/>
-            <a:ext cx="1561320" cy="1561320"/>
+            <a:ext cx="1560960" cy="1560960"/>
           </a:xfrm>
           <a:prstGeom prst="rect">
             <a:avLst/>
@@ -5450,7 +5505,7 @@
         <p:spPr>
           <a:xfrm>
             <a:off x="457200" y="6356520"/>
-            <a:ext cx="2133000" cy="364320"/>
+            <a:ext cx="2132640" cy="363960"/>
           </a:xfrm>
           <a:prstGeom prst="rect">
             <a:avLst/>
@@ -5474,12 +5529,13 @@
                 <a:spcPct val="100000"/>
               </a:lnSpc>
             </a:pPr>
-            <a:fld id="{346B7509-0845-4FF2-ABBF-638CE8F9B87D}" type="datetime1">
+            <a:fld id="{6B6132B9-5F88-4DE9-9B50-10561747A9B0}" type="datetime1">
               <a:rPr b="0" lang="en-US" sz="1200" spc="-1" strike="noStrike">
                 <a:solidFill>
                   <a:srgbClr val="8b8b8b"/>
                 </a:solidFill>
                 <a:latin typeface="Calibri"/>
+                <a:ea typeface="DejaVu Sans"/>
               </a:rPr>
               <a:t>04/28/2019</a:t>
             </a:fld>
@@ -5498,7 +5554,7 @@
         <p:spPr>
           <a:xfrm>
             <a:off x="3124080" y="6356520"/>
-            <a:ext cx="2894760" cy="364320"/>
+            <a:ext cx="2894400" cy="363960"/>
           </a:xfrm>
           <a:prstGeom prst="rect">
             <a:avLst/>
@@ -5528,6 +5584,7 @@
                   <a:srgbClr val="8b8b8b"/>
                 </a:solidFill>
                 <a:latin typeface="Calibri"/>
+                <a:ea typeface="DejaVu Sans"/>
               </a:rPr>
               <a:t>R32V2020</a:t>
             </a:r>
@@ -5546,7 +5603,7 @@
         <p:spPr>
           <a:xfrm>
             <a:off x="6553080" y="6356520"/>
-            <a:ext cx="2133000" cy="364320"/>
+            <a:ext cx="2132640" cy="363960"/>
           </a:xfrm>
           <a:prstGeom prst="rect">
             <a:avLst/>
@@ -5570,14 +5627,15 @@
                 <a:spcPct val="100000"/>
               </a:lnSpc>
             </a:pPr>
-            <a:fld id="{CFA606DD-620A-4403-9B30-1C1BC5C28F8D}" type="slidenum">
+            <a:fld id="{B9DBC8A3-976D-443E-B576-8DE113B57336}" type="slidenum">
               <a:rPr b="0" lang="en-US" sz="1200" spc="-1" strike="noStrike">
                 <a:solidFill>
                   <a:srgbClr val="8b8b8b"/>
                 </a:solidFill>
                 <a:latin typeface="Calibri"/>
-              </a:rPr>
-              <a:t>1</a:t>
+                <a:ea typeface="DejaVu Sans"/>
+              </a:rPr>
+              <a:t>&lt;number&gt;</a:t>
             </a:fld>
             <a:endParaRPr b="0" lang="en-US" sz="1200" spc="-1" strike="noStrike">
               <a:latin typeface="Arial"/>
@@ -5643,7 +5701,7 @@
         <p:spPr>
           <a:xfrm>
             <a:off x="457200" y="274680"/>
-            <a:ext cx="8228880" cy="1142280"/>
+            <a:ext cx="8228520" cy="1141920"/>
           </a:xfrm>
           <a:prstGeom prst="rect">
             <a:avLst/>
@@ -5673,6 +5731,7 @@
                   <a:srgbClr val="000000"/>
                 </a:solidFill>
                 <a:latin typeface="Calibri"/>
+                <a:ea typeface="DejaVu Sans"/>
               </a:rPr>
               <a:t>Stack Space</a:t>
             </a:r>
@@ -5691,7 +5750,7 @@
         <p:spPr>
           <a:xfrm>
             <a:off x="457200" y="1600200"/>
-            <a:ext cx="8228880" cy="4525200"/>
+            <a:ext cx="8228520" cy="4524840"/>
           </a:xfrm>
           <a:prstGeom prst="rect">
             <a:avLst/>
@@ -5712,7 +5771,7 @@
             <a:normAutofit/>
           </a:bodyPr>
           <a:p>
-            <a:pPr marL="343080" indent="-342360">
+            <a:pPr marL="343080" indent="-342000">
               <a:lnSpc>
                 <a:spcPct val="100000"/>
               </a:lnSpc>
@@ -5731,6 +5790,7 @@
                   <a:srgbClr val="000000"/>
                 </a:solidFill>
                 <a:latin typeface="Calibri"/>
+                <a:ea typeface="DejaVu Sans"/>
               </a:rPr>
               <a:t>Uses On-chip RAM</a:t>
             </a:r>
@@ -5739,7 +5799,7 @@
             </a:endParaRPr>
           </a:p>
           <a:p>
-            <a:pPr marL="343080" indent="-342360">
+            <a:pPr marL="343080" indent="-342000">
               <a:lnSpc>
                 <a:spcPct val="100000"/>
               </a:lnSpc>
@@ -5758,6 +5818,7 @@
                   <a:srgbClr val="000000"/>
                 </a:solidFill>
                 <a:latin typeface="Calibri"/>
+                <a:ea typeface="DejaVu Sans"/>
               </a:rPr>
               <a:t>16-bits of address is more than enough since there's limited space in internal RAM</a:t>
             </a:r>
@@ -5766,7 +5827,7 @@
             </a:endParaRPr>
           </a:p>
           <a:p>
-            <a:pPr marL="343080" indent="-342360">
+            <a:pPr marL="343080" indent="-342000">
               <a:lnSpc>
                 <a:spcPct val="100000"/>
               </a:lnSpc>
@@ -5785,6 +5846,7 @@
                   <a:srgbClr val="000000"/>
                 </a:solidFill>
                 <a:latin typeface="Calibri"/>
+                <a:ea typeface="DejaVu Sans"/>
               </a:rPr>
               <a:t>32 bits of data</a:t>
             </a:r>
@@ -5793,7 +5855,7 @@
             </a:endParaRPr>
           </a:p>
           <a:p>
-            <a:pPr marL="343080" indent="-342360">
+            <a:pPr marL="343080" indent="-342000">
               <a:lnSpc>
                 <a:spcPct val="100000"/>
               </a:lnSpc>
@@ -5812,6 +5874,7 @@
                   <a:srgbClr val="000000"/>
                 </a:solidFill>
                 <a:latin typeface="Calibri"/>
+                <a:ea typeface="DejaVu Sans"/>
               </a:rPr>
               <a:t>Subroutine calls need the stack pushed/pulled automatically</a:t>
             </a:r>
@@ -5820,7 +5883,7 @@
             </a:endParaRPr>
           </a:p>
           <a:p>
-            <a:pPr lvl="1" marL="743040" indent="-285120">
+            <a:pPr lvl="1" marL="743040" indent="-284760">
               <a:lnSpc>
                 <a:spcPct val="100000"/>
               </a:lnSpc>
@@ -5839,6 +5902,7 @@
                   <a:srgbClr val="000000"/>
                 </a:solidFill>
                 <a:latin typeface="Calibri"/>
+                <a:ea typeface="DejaVu Sans"/>
               </a:rPr>
               <a:t>Always Push registers at call</a:t>
             </a:r>
@@ -5847,7 +5911,7 @@
             </a:endParaRPr>
           </a:p>
           <a:p>
-            <a:pPr lvl="1" marL="743040" indent="-285120">
+            <a:pPr lvl="1" marL="743040" indent="-284760">
               <a:lnSpc>
                 <a:spcPct val="100000"/>
               </a:lnSpc>
@@ -5866,6 +5930,7 @@
                   <a:srgbClr val="000000"/>
                 </a:solidFill>
                 <a:latin typeface="Calibri"/>
+                <a:ea typeface="DejaVu Sans"/>
               </a:rPr>
               <a:t>Pull most registers at return</a:t>
             </a:r>
@@ -5874,7 +5939,7 @@
             </a:endParaRPr>
           </a:p>
           <a:p>
-            <a:pPr marL="343080" indent="-342360">
+            <a:pPr marL="343080" indent="-342000">
               <a:lnSpc>
                 <a:spcPct val="100000"/>
               </a:lnSpc>
@@ -5893,6 +5958,7 @@
                   <a:srgbClr val="000000"/>
                 </a:solidFill>
                 <a:latin typeface="Calibri"/>
+                <a:ea typeface="DejaVu Sans"/>
               </a:rPr>
               <a:t>Resources – stack depth</a:t>
             </a:r>
@@ -5901,7 +5967,7 @@
             </a:endParaRPr>
           </a:p>
           <a:p>
-            <a:pPr lvl="1" marL="743040" indent="-285120">
+            <a:pPr lvl="1" marL="743040" indent="-284760">
               <a:lnSpc>
                 <a:spcPct val="100000"/>
               </a:lnSpc>
@@ -5920,6 +5986,7 @@
                   <a:srgbClr val="000000"/>
                 </a:solidFill>
                 <a:latin typeface="Calibri"/>
+                <a:ea typeface="DejaVu Sans"/>
               </a:rPr>
               <a:t>16 registers, 2K stack = 128 levels deep</a:t>
             </a:r>
@@ -5928,7 +5995,7 @@
             </a:endParaRPr>
           </a:p>
           <a:p>
-            <a:pPr lvl="1" marL="743040" indent="-285120">
+            <a:pPr lvl="1" marL="743040" indent="-284760">
               <a:lnSpc>
                 <a:spcPct val="100000"/>
               </a:lnSpc>
@@ -5947,6 +6014,7 @@
                   <a:srgbClr val="000000"/>
                 </a:solidFill>
                 <a:latin typeface="Calibri"/>
+                <a:ea typeface="DejaVu Sans"/>
               </a:rPr>
               <a:t>Can’t corrupt address/instruction spaces</a:t>
             </a:r>
@@ -5969,7 +6037,7 @@
         <p:spPr>
           <a:xfrm>
             <a:off x="7429680" y="5181480"/>
-            <a:ext cx="1561320" cy="1561320"/>
+            <a:ext cx="1560960" cy="1560960"/>
           </a:xfrm>
           <a:prstGeom prst="rect">
             <a:avLst/>
@@ -5988,7 +6056,7 @@
         <p:spPr>
           <a:xfrm>
             <a:off x="457200" y="6356520"/>
-            <a:ext cx="2133000" cy="364320"/>
+            <a:ext cx="2132640" cy="363960"/>
           </a:xfrm>
           <a:prstGeom prst="rect">
             <a:avLst/>
@@ -6012,12 +6080,13 @@
                 <a:spcPct val="100000"/>
               </a:lnSpc>
             </a:pPr>
-            <a:fld id="{5CAE2D4E-97F9-4B4C-B7D0-3B473E8A5621}" type="datetime1">
+            <a:fld id="{555B53AC-DEE5-453E-8498-D906A99C0BE0}" type="datetime1">
               <a:rPr b="0" lang="en-US" sz="1200" spc="-1" strike="noStrike">
                 <a:solidFill>
                   <a:srgbClr val="8b8b8b"/>
                 </a:solidFill>
                 <a:latin typeface="Calibri"/>
+                <a:ea typeface="DejaVu Sans"/>
               </a:rPr>
               <a:t>04/28/2019</a:t>
             </a:fld>
@@ -6036,7 +6105,7 @@
         <p:spPr>
           <a:xfrm>
             <a:off x="3124080" y="6356520"/>
-            <a:ext cx="2894760" cy="364320"/>
+            <a:ext cx="2894400" cy="363960"/>
           </a:xfrm>
           <a:prstGeom prst="rect">
             <a:avLst/>
@@ -6066,6 +6135,7 @@
                   <a:srgbClr val="8b8b8b"/>
                 </a:solidFill>
                 <a:latin typeface="Calibri"/>
+                <a:ea typeface="DejaVu Sans"/>
               </a:rPr>
               <a:t>R32V2020</a:t>
             </a:r>
@@ -6084,7 +6154,7 @@
         <p:spPr>
           <a:xfrm>
             <a:off x="6553080" y="6356520"/>
-            <a:ext cx="2133000" cy="364320"/>
+            <a:ext cx="2132640" cy="363960"/>
           </a:xfrm>
           <a:prstGeom prst="rect">
             <a:avLst/>
@@ -6108,14 +6178,15 @@
                 <a:spcPct val="100000"/>
               </a:lnSpc>
             </a:pPr>
-            <a:fld id="{0118DCEA-8BDD-48D9-8AED-9FB4D5AFFA67}" type="slidenum">
+            <a:fld id="{36F00E9B-6C3B-43A2-B04D-C74E321F8B4C}" type="slidenum">
               <a:rPr b="0" lang="en-US" sz="1200" spc="-1" strike="noStrike">
                 <a:solidFill>
                   <a:srgbClr val="8b8b8b"/>
                 </a:solidFill>
                 <a:latin typeface="Calibri"/>
-              </a:rPr>
-              <a:t>1</a:t>
+                <a:ea typeface="DejaVu Sans"/>
+              </a:rPr>
+              <a:t>&lt;number&gt;</a:t>
             </a:fld>
             <a:endParaRPr b="0" lang="en-US" sz="1200" spc="-1" strike="noStrike">
               <a:latin typeface="Arial"/>
@@ -6181,7 +6252,7 @@
         <p:spPr>
           <a:xfrm>
             <a:off x="457200" y="274680"/>
-            <a:ext cx="8228880" cy="1142280"/>
+            <a:ext cx="8228520" cy="1141920"/>
           </a:xfrm>
           <a:prstGeom prst="rect">
             <a:avLst/>
@@ -6211,6 +6282,7 @@
                   <a:srgbClr val="000000"/>
                 </a:solidFill>
                 <a:latin typeface="Calibri"/>
+                <a:ea typeface="DejaVu Sans"/>
               </a:rPr>
               <a:t>Instruction Format</a:t>
             </a:r>
@@ -6229,7 +6301,7 @@
         <p:spPr>
           <a:xfrm>
             <a:off x="457200" y="1600200"/>
-            <a:ext cx="8228880" cy="4525200"/>
+            <a:ext cx="8228520" cy="4524840"/>
           </a:xfrm>
           <a:prstGeom prst="rect">
             <a:avLst/>
@@ -6250,7 +6322,7 @@
             <a:normAutofit/>
           </a:bodyPr>
           <a:p>
-            <a:pPr marL="343080" indent="-342360">
+            <a:pPr marL="343080" indent="-342000">
               <a:lnSpc>
                 <a:spcPct val="100000"/>
               </a:lnSpc>
@@ -6269,6 +6341,7 @@
                   <a:srgbClr val="000000"/>
                 </a:solidFill>
                 <a:latin typeface="Calibri"/>
+                <a:ea typeface="DejaVu Sans"/>
               </a:rPr>
               <a:t>32-bits wide</a:t>
             </a:r>
@@ -6277,7 +6350,7 @@
             </a:endParaRPr>
           </a:p>
           <a:p>
-            <a:pPr lvl="1" marL="743040" indent="-285120">
+            <a:pPr lvl="1" marL="743040" indent="-284760">
               <a:lnSpc>
                 <a:spcPct val="100000"/>
               </a:lnSpc>
@@ -6296,6 +6369,7 @@
                   <a:srgbClr val="000000"/>
                 </a:solidFill>
                 <a:latin typeface="Calibri"/>
+                <a:ea typeface="DejaVu Sans"/>
               </a:rPr>
               <a:t>8-bit wide OpCode</a:t>
             </a:r>
@@ -6304,7 +6378,7 @@
             </a:endParaRPr>
           </a:p>
           <a:p>
-            <a:pPr lvl="1" marL="743040" indent="-285120">
+            <a:pPr lvl="1" marL="743040" indent="-284760">
               <a:lnSpc>
                 <a:spcPct val="100000"/>
               </a:lnSpc>
@@ -6323,6 +6397,7 @@
                   <a:srgbClr val="000000"/>
                 </a:solidFill>
                 <a:latin typeface="Calibri"/>
+                <a:ea typeface="DejaVu Sans"/>
               </a:rPr>
               <a:t>rZ,rX,rY (register/register oprations)</a:t>
             </a:r>
@@ -6331,7 +6406,7 @@
             </a:endParaRPr>
           </a:p>
           <a:p>
-            <a:pPr lvl="2" marL="1143000" indent="-227880">
+            <a:pPr lvl="2" marL="1143000" indent="-227520">
               <a:lnSpc>
                 <a:spcPct val="100000"/>
               </a:lnSpc>
@@ -6350,6 +6425,7 @@
                   <a:srgbClr val="000000"/>
                 </a:solidFill>
                 <a:latin typeface="Calibri"/>
+                <a:ea typeface="DejaVu Sans"/>
               </a:rPr>
               <a:t>rX op rY =&gt; rZ </a:t>
             </a:r>
@@ -6358,7 +6434,7 @@
             </a:endParaRPr>
           </a:p>
           <a:p>
-            <a:pPr lvl="2" marL="1143000" indent="-227880">
+            <a:pPr lvl="2" marL="1143000" indent="-227520">
               <a:lnSpc>
                 <a:spcPct val="100000"/>
               </a:lnSpc>
@@ -6377,6 +6453,7 @@
                   <a:srgbClr val="000000"/>
                 </a:solidFill>
                 <a:latin typeface="Calibri"/>
+                <a:ea typeface="DejaVu Sans"/>
               </a:rPr>
               <a:t>4-bit wide source1 register select</a:t>
             </a:r>
@@ -6385,7 +6462,7 @@
             </a:endParaRPr>
           </a:p>
           <a:p>
-            <a:pPr lvl="2" marL="1143000" indent="-227880">
+            <a:pPr lvl="2" marL="1143000" indent="-227520">
               <a:lnSpc>
                 <a:spcPct val="100000"/>
               </a:lnSpc>
@@ -6404,6 +6481,7 @@
                   <a:srgbClr val="000000"/>
                 </a:solidFill>
                 <a:latin typeface="Calibri"/>
+                <a:ea typeface="DejaVu Sans"/>
               </a:rPr>
               <a:t>4-bit wide source2 register select</a:t>
             </a:r>
@@ -6412,7 +6490,7 @@
             </a:endParaRPr>
           </a:p>
           <a:p>
-            <a:pPr lvl="2" marL="1143000" indent="-227880">
+            <a:pPr lvl="2" marL="1143000" indent="-227520">
               <a:lnSpc>
                 <a:spcPct val="100000"/>
               </a:lnSpc>
@@ -6431,6 +6509,7 @@
                   <a:srgbClr val="000000"/>
                 </a:solidFill>
                 <a:latin typeface="Calibri"/>
+                <a:ea typeface="DejaVu Sans"/>
               </a:rPr>
               <a:t>4-bit wide destination register select</a:t>
             </a:r>
@@ -6439,7 +6518,7 @@
             </a:endParaRPr>
           </a:p>
           <a:p>
-            <a:pPr lvl="1" marL="743040" indent="-285120">
+            <a:pPr lvl="1" marL="743040" indent="-284760">
               <a:lnSpc>
                 <a:spcPct val="100000"/>
               </a:lnSpc>
@@ -6458,6 +6537,7 @@
                   <a:srgbClr val="000000"/>
                 </a:solidFill>
                 <a:latin typeface="Calibri"/>
+                <a:ea typeface="DejaVu Sans"/>
               </a:rPr>
               <a:t>Immediate format</a:t>
             </a:r>
@@ -6466,7 +6546,7 @@
             </a:endParaRPr>
           </a:p>
           <a:p>
-            <a:pPr lvl="2" marL="1143000" indent="-227880">
+            <a:pPr lvl="2" marL="1143000" indent="-227520">
               <a:lnSpc>
                 <a:spcPct val="100000"/>
               </a:lnSpc>
@@ -6485,6 +6565,7 @@
                   <a:srgbClr val="000000"/>
                 </a:solidFill>
                 <a:latin typeface="Calibri"/>
+                <a:ea typeface="DejaVu Sans"/>
               </a:rPr>
               <a:t>4-bit wide source1 register select</a:t>
             </a:r>
@@ -6493,7 +6574,7 @@
             </a:endParaRPr>
           </a:p>
           <a:p>
-            <a:pPr lvl="2" marL="1143000" indent="-227880">
+            <a:pPr lvl="2" marL="1143000" indent="-227520">
               <a:lnSpc>
                 <a:spcPct val="100000"/>
               </a:lnSpc>
@@ -6512,6 +6593,7 @@
                   <a:srgbClr val="000000"/>
                 </a:solidFill>
                 <a:latin typeface="Calibri"/>
+                <a:ea typeface="DejaVu Sans"/>
               </a:rPr>
               <a:t>16-bit wide immediate</a:t>
             </a:r>
@@ -6520,7 +6602,7 @@
             </a:endParaRPr>
           </a:p>
           <a:p>
-            <a:pPr lvl="3" marL="1728000" indent="-215640">
+            <a:pPr lvl="3" marL="1728000" indent="-215280">
               <a:lnSpc>
                 <a:spcPct val="100000"/>
               </a:lnSpc>
@@ -6540,6 +6622,7 @@
                   <a:srgbClr val="000000"/>
                 </a:solidFill>
                 <a:latin typeface="Calibri"/>
+                <a:ea typeface="DejaVu Sans"/>
               </a:rPr>
               <a:t>2 instructions for 32-bit </a:t>
             </a:r>
@@ -6562,7 +6645,7 @@
         <p:spPr>
           <a:xfrm>
             <a:off x="7429680" y="5181480"/>
-            <a:ext cx="1561320" cy="1561320"/>
+            <a:ext cx="1560960" cy="1560960"/>
           </a:xfrm>
           <a:prstGeom prst="rect">
             <a:avLst/>
@@ -6581,7 +6664,7 @@
         <p:spPr>
           <a:xfrm>
             <a:off x="457200" y="6356520"/>
-            <a:ext cx="2133000" cy="364320"/>
+            <a:ext cx="2132640" cy="363960"/>
           </a:xfrm>
           <a:prstGeom prst="rect">
             <a:avLst/>
@@ -6605,12 +6688,13 @@
                 <a:spcPct val="100000"/>
               </a:lnSpc>
             </a:pPr>
-            <a:fld id="{4FD6711F-BCD0-4C05-B744-1D5F5AA465A8}" type="datetime1">
+            <a:fld id="{F5F2AA19-200E-44C0-96BD-C96F9EE136AA}" type="datetime1">
               <a:rPr b="0" lang="en-US" sz="1200" spc="-1" strike="noStrike">
                 <a:solidFill>
                   <a:srgbClr val="8b8b8b"/>
                 </a:solidFill>
                 <a:latin typeface="Calibri"/>
+                <a:ea typeface="DejaVu Sans"/>
               </a:rPr>
               <a:t>04/28/2019</a:t>
             </a:fld>
@@ -6629,7 +6713,7 @@
         <p:spPr>
           <a:xfrm>
             <a:off x="3124080" y="6356520"/>
-            <a:ext cx="2894760" cy="364320"/>
+            <a:ext cx="2894400" cy="363960"/>
           </a:xfrm>
           <a:prstGeom prst="rect">
             <a:avLst/>
@@ -6659,6 +6743,7 @@
                   <a:srgbClr val="8b8b8b"/>
                 </a:solidFill>
                 <a:latin typeface="Calibri"/>
+                <a:ea typeface="DejaVu Sans"/>
               </a:rPr>
               <a:t>R32V2020</a:t>
             </a:r>
@@ -6677,7 +6762,7 @@
         <p:spPr>
           <a:xfrm>
             <a:off x="6553080" y="6356520"/>
-            <a:ext cx="2133000" cy="364320"/>
+            <a:ext cx="2132640" cy="363960"/>
           </a:xfrm>
           <a:prstGeom prst="rect">
             <a:avLst/>
@@ -6701,14 +6786,15 @@
                 <a:spcPct val="100000"/>
               </a:lnSpc>
             </a:pPr>
-            <a:fld id="{A7C1EBCC-7792-4A71-B86B-CCB8B58FB570}" type="slidenum">
+            <a:fld id="{A9A5A65B-94E7-4DB3-8C92-439E2449866E}" type="slidenum">
               <a:rPr b="0" lang="en-US" sz="1200" spc="-1" strike="noStrike">
                 <a:solidFill>
                   <a:srgbClr val="8b8b8b"/>
                 </a:solidFill>
                 <a:latin typeface="Calibri"/>
-              </a:rPr>
-              <a:t>1</a:t>
+                <a:ea typeface="DejaVu Sans"/>
+              </a:rPr>
+              <a:t>&lt;number&gt;</a:t>
             </a:fld>
             <a:endParaRPr b="0" lang="en-US" sz="1200" spc="-1" strike="noStrike">
               <a:latin typeface="Arial"/>
@@ -6774,7 +6860,7 @@
         <p:spPr>
           <a:xfrm>
             <a:off x="457200" y="274680"/>
-            <a:ext cx="8228880" cy="1142280"/>
+            <a:ext cx="8228520" cy="1141920"/>
           </a:xfrm>
           <a:prstGeom prst="rect">
             <a:avLst/>
@@ -6804,6 +6890,7 @@
                   <a:srgbClr val="000000"/>
                 </a:solidFill>
                 <a:latin typeface="Calibri"/>
+                <a:ea typeface="DejaVu Sans"/>
               </a:rPr>
               <a:t>Opcode</a:t>
             </a:r>
@@ -6822,7 +6909,7 @@
         <p:spPr>
           <a:xfrm>
             <a:off x="457200" y="1600200"/>
-            <a:ext cx="8228880" cy="4525200"/>
+            <a:ext cx="8228520" cy="4524840"/>
           </a:xfrm>
           <a:prstGeom prst="rect">
             <a:avLst/>
@@ -6841,7 +6928,7 @@
         <p:txBody>
           <a:bodyPr lIns="90000" rIns="90000" tIns="45000" bIns="45000"/>
           <a:p>
-            <a:pPr marL="343080" indent="-342360">
+            <a:pPr marL="343080" indent="-342000">
               <a:lnSpc>
                 <a:spcPct val="100000"/>
               </a:lnSpc>
@@ -6860,6 +6947,7 @@
                   <a:srgbClr val="000000"/>
                 </a:solidFill>
                 <a:latin typeface="Calibri"/>
+                <a:ea typeface="DejaVu Sans"/>
               </a:rPr>
               <a:t>See Opcode table spreadsheet</a:t>
             </a:r>
@@ -6892,7 +6980,7 @@
         <p:spPr>
           <a:xfrm>
             <a:off x="7429680" y="5181480"/>
-            <a:ext cx="1561320" cy="1561320"/>
+            <a:ext cx="1560960" cy="1560960"/>
           </a:xfrm>
           <a:prstGeom prst="rect">
             <a:avLst/>
@@ -6911,7 +6999,7 @@
         <p:spPr>
           <a:xfrm>
             <a:off x="457200" y="6356520"/>
-            <a:ext cx="2133000" cy="364320"/>
+            <a:ext cx="2132640" cy="363960"/>
           </a:xfrm>
           <a:prstGeom prst="rect">
             <a:avLst/>
@@ -6935,12 +7023,13 @@
                 <a:spcPct val="100000"/>
               </a:lnSpc>
             </a:pPr>
-            <a:fld id="{9E09A8D3-C9A8-4B8C-84F0-6FA7BC8C1D61}" type="datetime1">
+            <a:fld id="{ACB261F0-1547-4CF0-BBCB-615395DFA6C6}" type="datetime1">
               <a:rPr b="0" lang="en-US" sz="1200" spc="-1" strike="noStrike">
                 <a:solidFill>
                   <a:srgbClr val="8b8b8b"/>
                 </a:solidFill>
                 <a:latin typeface="Calibri"/>
+                <a:ea typeface="DejaVu Sans"/>
               </a:rPr>
               <a:t>04/28/2019</a:t>
             </a:fld>
@@ -6959,7 +7048,7 @@
         <p:spPr>
           <a:xfrm>
             <a:off x="3124080" y="6356520"/>
-            <a:ext cx="2894760" cy="364320"/>
+            <a:ext cx="2894400" cy="363960"/>
           </a:xfrm>
           <a:prstGeom prst="rect">
             <a:avLst/>
@@ -6989,6 +7078,7 @@
                   <a:srgbClr val="8b8b8b"/>
                 </a:solidFill>
                 <a:latin typeface="Calibri"/>
+                <a:ea typeface="DejaVu Sans"/>
               </a:rPr>
               <a:t>R32V2020</a:t>
             </a:r>
@@ -7007,7 +7097,7 @@
         <p:spPr>
           <a:xfrm>
             <a:off x="6553080" y="6356520"/>
-            <a:ext cx="2133000" cy="364320"/>
+            <a:ext cx="2132640" cy="363960"/>
           </a:xfrm>
           <a:prstGeom prst="rect">
             <a:avLst/>
@@ -7031,14 +7121,15 @@
                 <a:spcPct val="100000"/>
               </a:lnSpc>
             </a:pPr>
-            <a:fld id="{9C39DC78-4C6A-476E-871A-EABF71FB25B6}" type="slidenum">
+            <a:fld id="{A940C729-B860-4D1C-8D94-5F6A62E3535C}" type="slidenum">
               <a:rPr b="0" lang="en-US" sz="1200" spc="-1" strike="noStrike">
                 <a:solidFill>
                   <a:srgbClr val="8b8b8b"/>
                 </a:solidFill>
                 <a:latin typeface="Calibri"/>
-              </a:rPr>
-              <a:t>1</a:t>
+                <a:ea typeface="DejaVu Sans"/>
+              </a:rPr>
+              <a:t>&lt;number&gt;</a:t>
             </a:fld>
             <a:endParaRPr b="0" lang="en-US" sz="1200" spc="-1" strike="noStrike">
               <a:latin typeface="Arial"/>
@@ -7104,7 +7195,7 @@
         <p:spPr>
           <a:xfrm>
             <a:off x="457200" y="274680"/>
-            <a:ext cx="8228880" cy="1142280"/>
+            <a:ext cx="8228520" cy="1141920"/>
           </a:xfrm>
           <a:prstGeom prst="rect">
             <a:avLst/>
@@ -7134,6 +7225,7 @@
                   <a:srgbClr val="000000"/>
                 </a:solidFill>
                 <a:latin typeface="Calibri"/>
+                <a:ea typeface="DejaVu Sans"/>
               </a:rPr>
               <a:t>Separate Address Space Busses</a:t>
             </a:r>
@@ -7152,7 +7244,7 @@
         <p:spPr>
           <a:xfrm>
             <a:off x="457200" y="1600200"/>
-            <a:ext cx="8228880" cy="4525200"/>
+            <a:ext cx="8228520" cy="4524840"/>
           </a:xfrm>
           <a:prstGeom prst="rect">
             <a:avLst/>
@@ -7171,7 +7263,7 @@
         <p:txBody>
           <a:bodyPr lIns="90000" rIns="90000" tIns="45000" bIns="45000"/>
           <a:p>
-            <a:pPr marL="343080" indent="-342360">
+            <a:pPr marL="343080" indent="-342000">
               <a:lnSpc>
                 <a:spcPct val="100000"/>
               </a:lnSpc>
@@ -7190,6 +7282,7 @@
                   <a:srgbClr val="000000"/>
                 </a:solidFill>
                 <a:latin typeface="Calibri"/>
+                <a:ea typeface="DejaVu Sans"/>
               </a:rPr>
               <a:t>Most designs share multiplexed address/data bus</a:t>
             </a:r>
@@ -7198,7 +7291,7 @@
             </a:endParaRPr>
           </a:p>
           <a:p>
-            <a:pPr lvl="1" marL="432000" indent="-216000">
+            <a:pPr lvl="1" marL="432000" indent="-215640">
               <a:lnSpc>
                 <a:spcPct val="100000"/>
               </a:lnSpc>
@@ -7218,6 +7311,7 @@
                   <a:srgbClr val="000000"/>
                 </a:solidFill>
                 <a:latin typeface="Calibri"/>
+                <a:ea typeface="DejaVu Sans"/>
               </a:rPr>
               <a:t>Expensive in chip area and unnecessary</a:t>
             </a:r>
@@ -7226,7 +7320,7 @@
             </a:endParaRPr>
           </a:p>
           <a:p>
-            <a:pPr marL="343080" indent="-342360">
+            <a:pPr marL="343080" indent="-342000">
               <a:lnSpc>
                 <a:spcPct val="100000"/>
               </a:lnSpc>
@@ -7245,6 +7339,7 @@
                   <a:srgbClr val="000000"/>
                 </a:solidFill>
                 <a:latin typeface="Calibri"/>
+                <a:ea typeface="DejaVu Sans"/>
               </a:rPr>
               <a:t>Address space registers directly connect to the address lines of their appropriate SRAMs and peripheral bus</a:t>
             </a:r>
@@ -7253,7 +7348,7 @@
             </a:endParaRPr>
           </a:p>
           <a:p>
-            <a:pPr lvl="2" marL="648000" indent="-216000">
+            <a:pPr lvl="2" marL="648000" indent="-215640">
               <a:lnSpc>
                 <a:spcPct val="100000"/>
               </a:lnSpc>
@@ -7273,6 +7368,7 @@
                   <a:srgbClr val="000000"/>
                 </a:solidFill>
                 <a:latin typeface="Calibri"/>
+                <a:ea typeface="DejaVu Sans"/>
               </a:rPr>
               <a:t>Pre-fetch is automatic</a:t>
             </a:r>
@@ -7281,7 +7377,7 @@
             </a:endParaRPr>
           </a:p>
           <a:p>
-            <a:pPr lvl="2" marL="648000" indent="-216000">
+            <a:pPr lvl="2" marL="648000" indent="-215640">
               <a:lnSpc>
                 <a:spcPct val="100000"/>
               </a:lnSpc>
@@ -7301,6 +7397,7 @@
                   <a:srgbClr val="000000"/>
                 </a:solidFill>
                 <a:latin typeface="Calibri"/>
+                <a:ea typeface="DejaVu Sans"/>
               </a:rPr>
               <a:t>Write posting is natural</a:t>
             </a:r>
@@ -7309,19 +7406,13 @@
             </a:endParaRPr>
           </a:p>
           <a:p>
-            <a:pPr lvl="1" marL="432000" indent="-216000">
+            <a:pPr>
               <a:lnSpc>
                 <a:spcPct val="100000"/>
               </a:lnSpc>
               <a:spcBef>
                 <a:spcPts val="641"/>
               </a:spcBef>
-              <a:buClr>
-                <a:srgbClr val="000000"/>
-              </a:buClr>
-              <a:buSzPct val="45000"/>
-              <a:buFont typeface="Wingdings" charset="2"/>
-              <a:buChar char=""/>
             </a:pPr>
             <a:endParaRPr b="0" lang="en-US" sz="3200" spc="-1" strike="noStrike">
               <a:latin typeface="Arial"/>
@@ -7352,7 +7443,7 @@
         <p:spPr>
           <a:xfrm>
             <a:off x="7429680" y="5181480"/>
-            <a:ext cx="1561320" cy="1561320"/>
+            <a:ext cx="1560960" cy="1560960"/>
           </a:xfrm>
           <a:prstGeom prst="rect">
             <a:avLst/>
@@ -7371,7 +7462,7 @@
         <p:spPr>
           <a:xfrm>
             <a:off x="457200" y="6356520"/>
-            <a:ext cx="2133000" cy="364320"/>
+            <a:ext cx="2132640" cy="363960"/>
           </a:xfrm>
           <a:prstGeom prst="rect">
             <a:avLst/>
@@ -7395,12 +7486,13 @@
                 <a:spcPct val="100000"/>
               </a:lnSpc>
             </a:pPr>
-            <a:fld id="{DFBD89EB-7C85-4773-8625-13B7933A0E27}" type="datetime1">
+            <a:fld id="{58D31DD0-A9B6-49A5-B92A-BAAE8C514B46}" type="datetime1">
               <a:rPr b="0" lang="en-US" sz="1200" spc="-1" strike="noStrike">
                 <a:solidFill>
                   <a:srgbClr val="8b8b8b"/>
                 </a:solidFill>
                 <a:latin typeface="Calibri"/>
+                <a:ea typeface="DejaVu Sans"/>
               </a:rPr>
               <a:t>04/28/2019</a:t>
             </a:fld>
@@ -7419,7 +7511,7 @@
         <p:spPr>
           <a:xfrm>
             <a:off x="3124080" y="6356520"/>
-            <a:ext cx="2894760" cy="364320"/>
+            <a:ext cx="2894400" cy="363960"/>
           </a:xfrm>
           <a:prstGeom prst="rect">
             <a:avLst/>
@@ -7449,6 +7541,7 @@
                   <a:srgbClr val="8b8b8b"/>
                 </a:solidFill>
                 <a:latin typeface="Calibri"/>
+                <a:ea typeface="DejaVu Sans"/>
               </a:rPr>
               <a:t>R32V2020</a:t>
             </a:r>
@@ -7467,7 +7560,7 @@
         <p:spPr>
           <a:xfrm>
             <a:off x="6553080" y="6356520"/>
-            <a:ext cx="2133000" cy="364320"/>
+            <a:ext cx="2132640" cy="363960"/>
           </a:xfrm>
           <a:prstGeom prst="rect">
             <a:avLst/>
@@ -7491,14 +7584,15 @@
                 <a:spcPct val="100000"/>
               </a:lnSpc>
             </a:pPr>
-            <a:fld id="{9DA0C9D3-74AA-4A3E-B62A-6F66BFB235E3}" type="slidenum">
+            <a:fld id="{70878E1C-E27C-4649-A1F7-2D86367F6216}" type="slidenum">
               <a:rPr b="0" lang="en-US" sz="1200" spc="-1" strike="noStrike">
                 <a:solidFill>
                   <a:srgbClr val="8b8b8b"/>
                 </a:solidFill>
                 <a:latin typeface="Calibri"/>
-              </a:rPr>
-              <a:t>1</a:t>
+                <a:ea typeface="DejaVu Sans"/>
+              </a:rPr>
+              <a:t>&lt;number&gt;</a:t>
             </a:fld>
             <a:endParaRPr b="0" lang="en-US" sz="1200" spc="-1" strike="noStrike">
               <a:latin typeface="Arial"/>
@@ -7564,7 +7658,7 @@
         <p:spPr>
           <a:xfrm>
             <a:off x="457200" y="274680"/>
-            <a:ext cx="8228880" cy="1142280"/>
+            <a:ext cx="8228520" cy="1141920"/>
           </a:xfrm>
           <a:prstGeom prst="rect">
             <a:avLst/>
@@ -7594,6 +7688,7 @@
                   <a:srgbClr val="000000"/>
                 </a:solidFill>
                 <a:latin typeface="Calibri"/>
+                <a:ea typeface="DejaVu Sans"/>
               </a:rPr>
               <a:t>Common I/O Function</a:t>
             </a:r>
@@ -7612,7 +7707,7 @@
         <p:spPr>
           <a:xfrm>
             <a:off x="457200" y="1600200"/>
-            <a:ext cx="8228880" cy="4525200"/>
+            <a:ext cx="8228520" cy="4524840"/>
           </a:xfrm>
           <a:prstGeom prst="rect">
             <a:avLst/>
@@ -7631,7 +7726,7 @@
         <p:txBody>
           <a:bodyPr lIns="90000" rIns="90000" tIns="45000" bIns="45000"/>
           <a:p>
-            <a:pPr marL="343080" indent="-342360">
+            <a:pPr marL="343080" indent="-342000">
               <a:lnSpc>
                 <a:spcPct val="100000"/>
               </a:lnSpc>
@@ -7650,6 +7745,7 @@
                   <a:srgbClr val="000000"/>
                 </a:solidFill>
                 <a:latin typeface="Calibri"/>
+                <a:ea typeface="DejaVu Sans"/>
               </a:rPr>
               <a:t>Sit on a peripheral bus location and test a bit until peripheral has data or is ready for more data</a:t>
             </a:r>
@@ -7658,7 +7754,7 @@
             </a:endParaRPr>
           </a:p>
           <a:p>
-            <a:pPr lvl="1" marL="432000" indent="-216000">
+            <a:pPr lvl="1" marL="432000" indent="-215640">
               <a:lnSpc>
                 <a:spcPct val="100000"/>
               </a:lnSpc>
@@ -7678,6 +7774,7 @@
                   <a:srgbClr val="000000"/>
                 </a:solidFill>
                 <a:latin typeface="Calibri"/>
+                <a:ea typeface="DejaVu Sans"/>
               </a:rPr>
               <a:t>Set the peripheral address register</a:t>
             </a:r>
@@ -7686,7 +7783,7 @@
             </a:endParaRPr>
           </a:p>
           <a:p>
-            <a:pPr lvl="1" marL="432000" indent="-216000">
+            <a:pPr lvl="1" marL="432000" indent="-215640">
               <a:lnSpc>
                 <a:spcPct val="100000"/>
               </a:lnSpc>
@@ -7706,6 +7803,7 @@
                   <a:srgbClr val="000000"/>
                 </a:solidFill>
                 <a:latin typeface="Calibri"/>
+                <a:ea typeface="DejaVu Sans"/>
               </a:rPr>
               <a:t>Set the test condition in a register</a:t>
             </a:r>
@@ -7714,7 +7812,7 @@
             </a:endParaRPr>
           </a:p>
           <a:p>
-            <a:pPr lvl="1" marL="432000" indent="-216000">
+            <a:pPr lvl="1" marL="432000" indent="-215640">
               <a:lnSpc>
                 <a:spcPct val="100000"/>
               </a:lnSpc>
@@ -7734,6 +7832,7 @@
                   <a:srgbClr val="000000"/>
                 </a:solidFill>
                 <a:latin typeface="Calibri"/>
+                <a:ea typeface="DejaVu Sans"/>
               </a:rPr>
               <a:t>Do peripheral read until condition is satisfied</a:t>
             </a:r>
@@ -7742,7 +7841,7 @@
             </a:endParaRPr>
           </a:p>
           <a:p>
-            <a:pPr lvl="2" marL="648000" indent="-216000">
+            <a:pPr lvl="2" marL="648000" indent="-215640">
               <a:lnSpc>
                 <a:spcPct val="100000"/>
               </a:lnSpc>
@@ -7762,6 +7861,7 @@
                   <a:srgbClr val="000000"/>
                 </a:solidFill>
                 <a:latin typeface="Calibri"/>
+                <a:ea typeface="DejaVu Sans"/>
               </a:rPr>
               <a:t>Read bits, AND bit(s) branch if bit set/cleared</a:t>
             </a:r>
@@ -7784,7 +7884,7 @@
         <p:spPr>
           <a:xfrm>
             <a:off x="7429680" y="5181480"/>
-            <a:ext cx="1561320" cy="1561320"/>
+            <a:ext cx="1560960" cy="1560960"/>
           </a:xfrm>
           <a:prstGeom prst="rect">
             <a:avLst/>
@@ -7803,7 +7903,7 @@
         <p:spPr>
           <a:xfrm>
             <a:off x="457200" y="6356520"/>
-            <a:ext cx="2133000" cy="364320"/>
+            <a:ext cx="2132640" cy="363960"/>
           </a:xfrm>
           <a:prstGeom prst="rect">
             <a:avLst/>
@@ -7827,12 +7927,13 @@
                 <a:spcPct val="100000"/>
               </a:lnSpc>
             </a:pPr>
-            <a:fld id="{E8147107-91A4-49FA-8221-3E604CCA1B59}" type="datetime1">
+            <a:fld id="{5F2EF5AC-C060-4FC2-B2CC-161C99E952A4}" type="datetime1">
               <a:rPr b="0" lang="en-US" sz="1200" spc="-1" strike="noStrike">
                 <a:solidFill>
                   <a:srgbClr val="8b8b8b"/>
                 </a:solidFill>
                 <a:latin typeface="Calibri"/>
+                <a:ea typeface="DejaVu Sans"/>
               </a:rPr>
               <a:t>04/28/2019</a:t>
             </a:fld>
@@ -7851,7 +7952,7 @@
         <p:spPr>
           <a:xfrm>
             <a:off x="3124080" y="6356520"/>
-            <a:ext cx="2894760" cy="364320"/>
+            <a:ext cx="2894400" cy="363960"/>
           </a:xfrm>
           <a:prstGeom prst="rect">
             <a:avLst/>
@@ -7881,6 +7982,7 @@
                   <a:srgbClr val="8b8b8b"/>
                 </a:solidFill>
                 <a:latin typeface="Calibri"/>
+                <a:ea typeface="DejaVu Sans"/>
               </a:rPr>
               <a:t>R32V2020</a:t>
             </a:r>
@@ -7899,7 +8001,7 @@
         <p:spPr>
           <a:xfrm>
             <a:off x="6553080" y="6356520"/>
-            <a:ext cx="2133000" cy="364320"/>
+            <a:ext cx="2132640" cy="363960"/>
           </a:xfrm>
           <a:prstGeom prst="rect">
             <a:avLst/>
@@ -7923,14 +8025,15 @@
                 <a:spcPct val="100000"/>
               </a:lnSpc>
             </a:pPr>
-            <a:fld id="{E28A96D6-8E28-4749-B98C-55A938583B77}" type="slidenum">
+            <a:fld id="{32453EE8-84D3-41A9-9386-61D9E4D87E09}" type="slidenum">
               <a:rPr b="0" lang="en-US" sz="1200" spc="-1" strike="noStrike">
                 <a:solidFill>
                   <a:srgbClr val="8b8b8b"/>
                 </a:solidFill>
                 <a:latin typeface="Calibri"/>
-              </a:rPr>
-              <a:t>1</a:t>
+                <a:ea typeface="DejaVu Sans"/>
+              </a:rPr>
+              <a:t>&lt;number&gt;</a:t>
             </a:fld>
             <a:endParaRPr b="0" lang="en-US" sz="1200" spc="-1" strike="noStrike">
               <a:latin typeface="Arial"/>
@@ -7996,7 +8099,7 @@
         <p:spPr>
           <a:xfrm>
             <a:off x="457200" y="274680"/>
-            <a:ext cx="8228880" cy="1142280"/>
+            <a:ext cx="8228520" cy="1141920"/>
           </a:xfrm>
           <a:prstGeom prst="rect">
             <a:avLst/>
@@ -8026,6 +8129,7 @@
                   <a:srgbClr val="000000"/>
                 </a:solidFill>
                 <a:latin typeface="Calibri"/>
+                <a:ea typeface="DejaVu Sans"/>
               </a:rPr>
               <a:t>Common I/O Function</a:t>
             </a:r>
@@ -8044,7 +8148,7 @@
         <p:spPr>
           <a:xfrm>
             <a:off x="457200" y="1600200"/>
-            <a:ext cx="8228880" cy="4525200"/>
+            <a:ext cx="8228520" cy="4524840"/>
           </a:xfrm>
           <a:prstGeom prst="rect">
             <a:avLst/>
@@ -8063,7 +8167,7 @@
         <p:txBody>
           <a:bodyPr lIns="90000" rIns="90000" tIns="45000" bIns="45000"/>
           <a:p>
-            <a:pPr marL="343080" indent="-342360">
+            <a:pPr marL="343080" indent="-342000">
               <a:lnSpc>
                 <a:spcPct val="100000"/>
               </a:lnSpc>
@@ -8082,6 +8186,7 @@
                   <a:srgbClr val="000000"/>
                 </a:solidFill>
                 <a:latin typeface="Calibri"/>
+                <a:ea typeface="DejaVu Sans"/>
               </a:rPr>
               <a:t>Sit on a peripheral bus location and test a bit until peripheral has data or is ready for more data</a:t>
             </a:r>
@@ -8090,7 +8195,7 @@
             </a:endParaRPr>
           </a:p>
           <a:p>
-            <a:pPr lvl="1" marL="432000" indent="-216000">
+            <a:pPr lvl="1" marL="432000" indent="-215640">
               <a:lnSpc>
                 <a:spcPct val="100000"/>
               </a:lnSpc>
@@ -8110,6 +8215,7 @@
                   <a:srgbClr val="000000"/>
                 </a:solidFill>
                 <a:latin typeface="Calibri"/>
+                <a:ea typeface="DejaVu Sans"/>
               </a:rPr>
               <a:t>Set the peripheral address register</a:t>
             </a:r>
@@ -8118,7 +8224,7 @@
             </a:endParaRPr>
           </a:p>
           <a:p>
-            <a:pPr lvl="1" marL="432000" indent="-216000">
+            <a:pPr lvl="1" marL="432000" indent="-215640">
               <a:lnSpc>
                 <a:spcPct val="100000"/>
               </a:lnSpc>
@@ -8138,6 +8244,7 @@
                   <a:srgbClr val="000000"/>
                 </a:solidFill>
                 <a:latin typeface="Calibri"/>
+                <a:ea typeface="DejaVu Sans"/>
               </a:rPr>
               <a:t>Set the test condition in a register</a:t>
             </a:r>
@@ -8146,7 +8253,7 @@
             </a:endParaRPr>
           </a:p>
           <a:p>
-            <a:pPr lvl="1" marL="432000" indent="-216000">
+            <a:pPr lvl="1" marL="432000" indent="-215640">
               <a:lnSpc>
                 <a:spcPct val="100000"/>
               </a:lnSpc>
@@ -8166,6 +8273,7 @@
                   <a:srgbClr val="000000"/>
                 </a:solidFill>
                 <a:latin typeface="Calibri"/>
+                <a:ea typeface="DejaVu Sans"/>
               </a:rPr>
               <a:t>Do peripheral read until condition is satisfied</a:t>
             </a:r>
@@ -8174,7 +8282,7 @@
             </a:endParaRPr>
           </a:p>
           <a:p>
-            <a:pPr lvl="2" marL="648000" indent="-216000">
+            <a:pPr lvl="2" marL="648000" indent="-215640">
               <a:lnSpc>
                 <a:spcPct val="100000"/>
               </a:lnSpc>
@@ -8194,6 +8302,7 @@
                   <a:srgbClr val="000000"/>
                 </a:solidFill>
                 <a:latin typeface="Calibri"/>
+                <a:ea typeface="DejaVu Sans"/>
               </a:rPr>
               <a:t>Read bits, AND bit(s) branch if bit set/cleared</a:t>
             </a:r>
@@ -8216,7 +8325,7 @@
         <p:spPr>
           <a:xfrm>
             <a:off x="7429680" y="5181480"/>
-            <a:ext cx="1561320" cy="1561320"/>
+            <a:ext cx="1560960" cy="1560960"/>
           </a:xfrm>
           <a:prstGeom prst="rect">
             <a:avLst/>
@@ -8235,7 +8344,7 @@
         <p:spPr>
           <a:xfrm>
             <a:off x="457200" y="6356520"/>
-            <a:ext cx="2133000" cy="364320"/>
+            <a:ext cx="2132640" cy="363960"/>
           </a:xfrm>
           <a:prstGeom prst="rect">
             <a:avLst/>
@@ -8259,12 +8368,13 @@
                 <a:spcPct val="100000"/>
               </a:lnSpc>
             </a:pPr>
-            <a:fld id="{4B94267B-6450-4C3C-8334-22B7C8D07452}" type="datetime1">
+            <a:fld id="{DADA9A45-4CAF-4F5E-B218-D0A8108FD822}" type="datetime1">
               <a:rPr b="0" lang="en-US" sz="1200" spc="-1" strike="noStrike">
                 <a:solidFill>
                   <a:srgbClr val="8b8b8b"/>
                 </a:solidFill>
                 <a:latin typeface="Calibri"/>
+                <a:ea typeface="DejaVu Sans"/>
               </a:rPr>
               <a:t>04/28/2019</a:t>
             </a:fld>
@@ -8283,7 +8393,7 @@
         <p:spPr>
           <a:xfrm>
             <a:off x="3124080" y="6356520"/>
-            <a:ext cx="2894760" cy="364320"/>
+            <a:ext cx="2894400" cy="363960"/>
           </a:xfrm>
           <a:prstGeom prst="rect">
             <a:avLst/>
@@ -8313,6 +8423,7 @@
                   <a:srgbClr val="8b8b8b"/>
                 </a:solidFill>
                 <a:latin typeface="Calibri"/>
+                <a:ea typeface="DejaVu Sans"/>
               </a:rPr>
               <a:t>R32V2020</a:t>
             </a:r>
@@ -8331,7 +8442,7 @@
         <p:spPr>
           <a:xfrm>
             <a:off x="6553080" y="6356520"/>
-            <a:ext cx="2133000" cy="364320"/>
+            <a:ext cx="2132640" cy="363960"/>
           </a:xfrm>
           <a:prstGeom prst="rect">
             <a:avLst/>
@@ -8355,14 +8466,15 @@
                 <a:spcPct val="100000"/>
               </a:lnSpc>
             </a:pPr>
-            <a:fld id="{EA50A431-4E69-41A5-AFB4-9F127D3D7A59}" type="slidenum">
+            <a:fld id="{47FDBC11-C013-4E84-AEA7-5D58D6160760}" type="slidenum">
               <a:rPr b="0" lang="en-US" sz="1200" spc="-1" strike="noStrike">
                 <a:solidFill>
                   <a:srgbClr val="8b8b8b"/>
                 </a:solidFill>
                 <a:latin typeface="Calibri"/>
-              </a:rPr>
-              <a:t>1</a:t>
+                <a:ea typeface="DejaVu Sans"/>
+              </a:rPr>
+              <a:t>&lt;number&gt;</a:t>
             </a:fld>
             <a:endParaRPr b="0" lang="en-US" sz="1200" spc="-1" strike="noStrike">
               <a:latin typeface="Arial"/>
@@ -8428,7 +8540,7 @@
         <p:spPr>
           <a:xfrm>
             <a:off x="457200" y="274680"/>
-            <a:ext cx="8228880" cy="1142280"/>
+            <a:ext cx="8228520" cy="1141920"/>
           </a:xfrm>
           <a:prstGeom prst="rect">
             <a:avLst/>
@@ -8460,6 +8572,7 @@
                   <a:srgbClr val="000000"/>
                 </a:solidFill>
                 <a:latin typeface="Calibri"/>
+                <a:ea typeface="DejaVu Sans"/>
               </a:rPr>
               <a:t>Target Hardware - Low End </a:t>
             </a:r>
@@ -8470,6 +8583,7 @@
                   <a:srgbClr val="000000"/>
                 </a:solidFill>
                 <a:latin typeface="Calibri"/>
+                <a:ea typeface="DejaVu Sans"/>
               </a:rPr>
               <a:t>Off-the-shelf EP4 FPGA card</a:t>
             </a:r>
@@ -8492,7 +8606,7 @@
         <p:spPr>
           <a:xfrm>
             <a:off x="7429680" y="5181480"/>
-            <a:ext cx="1561320" cy="1561320"/>
+            <a:ext cx="1560960" cy="1560960"/>
           </a:xfrm>
           <a:prstGeom prst="rect">
             <a:avLst/>
@@ -8515,7 +8629,7 @@
         <p:spPr>
           <a:xfrm>
             <a:off x="1523880" y="1676520"/>
-            <a:ext cx="6073200" cy="3618720"/>
+            <a:ext cx="6072840" cy="3618360"/>
           </a:xfrm>
           <a:prstGeom prst="rect">
             <a:avLst/>
@@ -8534,7 +8648,7 @@
         <p:spPr>
           <a:xfrm>
             <a:off x="457200" y="6356520"/>
-            <a:ext cx="2133000" cy="364320"/>
+            <a:ext cx="2132640" cy="363960"/>
           </a:xfrm>
           <a:prstGeom prst="rect">
             <a:avLst/>
@@ -8558,12 +8672,13 @@
                 <a:spcPct val="100000"/>
               </a:lnSpc>
             </a:pPr>
-            <a:fld id="{664E2881-CD87-458C-8BDC-7A495D7ED8BE}" type="datetime1">
+            <a:fld id="{9181E5D2-B310-48B3-883A-4D919A60B81F}" type="datetime1">
               <a:rPr b="0" lang="en-US" sz="1200" spc="-1" strike="noStrike">
                 <a:solidFill>
                   <a:srgbClr val="8b8b8b"/>
                 </a:solidFill>
                 <a:latin typeface="Calibri"/>
+                <a:ea typeface="DejaVu Sans"/>
               </a:rPr>
               <a:t>04/28/2019</a:t>
             </a:fld>
@@ -8582,7 +8697,7 @@
         <p:spPr>
           <a:xfrm>
             <a:off x="3124080" y="6356520"/>
-            <a:ext cx="2894760" cy="364320"/>
+            <a:ext cx="2894400" cy="363960"/>
           </a:xfrm>
           <a:prstGeom prst="rect">
             <a:avLst/>
@@ -8612,6 +8727,7 @@
                   <a:srgbClr val="8b8b8b"/>
                 </a:solidFill>
                 <a:latin typeface="Calibri"/>
+                <a:ea typeface="DejaVu Sans"/>
               </a:rPr>
               <a:t>R32V2020</a:t>
             </a:r>
@@ -8630,7 +8746,7 @@
         <p:spPr>
           <a:xfrm>
             <a:off x="6553080" y="6356520"/>
-            <a:ext cx="2133000" cy="364320"/>
+            <a:ext cx="2132640" cy="363960"/>
           </a:xfrm>
           <a:prstGeom prst="rect">
             <a:avLst/>
@@ -8654,14 +8770,15 @@
                 <a:spcPct val="100000"/>
               </a:lnSpc>
             </a:pPr>
-            <a:fld id="{B88D8809-BD8C-4197-AEC6-0B06FFD81AB2}" type="slidenum">
+            <a:fld id="{65D7CE3D-125A-4142-B2C3-408D9319AA2D}" type="slidenum">
               <a:rPr b="0" lang="en-US" sz="1200" spc="-1" strike="noStrike">
                 <a:solidFill>
                   <a:srgbClr val="8b8b8b"/>
                 </a:solidFill>
                 <a:latin typeface="Calibri"/>
-              </a:rPr>
-              <a:t>1</a:t>
+                <a:ea typeface="DejaVu Sans"/>
+              </a:rPr>
+              <a:t>&lt;number&gt;</a:t>
             </a:fld>
             <a:endParaRPr b="0" lang="en-US" sz="1200" spc="-1" strike="noStrike">
               <a:latin typeface="Arial"/>
@@ -8727,7 +8844,7 @@
         <p:spPr>
           <a:xfrm>
             <a:off x="457200" y="274680"/>
-            <a:ext cx="8228880" cy="1142280"/>
+            <a:ext cx="8228520" cy="1141920"/>
           </a:xfrm>
           <a:prstGeom prst="rect">
             <a:avLst/>
@@ -8757,6 +8874,7 @@
                   <a:srgbClr val="000000"/>
                 </a:solidFill>
                 <a:latin typeface="Calibri"/>
+                <a:ea typeface="DejaVu Sans"/>
               </a:rPr>
               <a:t>EP4 On-card Resources</a:t>
             </a:r>
@@ -8775,7 +8893,7 @@
         <p:spPr>
           <a:xfrm>
             <a:off x="457200" y="1600200"/>
-            <a:ext cx="8228880" cy="4525200"/>
+            <a:ext cx="8228520" cy="4524840"/>
           </a:xfrm>
           <a:prstGeom prst="rect">
             <a:avLst/>
@@ -8796,7 +8914,7 @@
             <a:normAutofit/>
           </a:bodyPr>
           <a:p>
-            <a:pPr marL="343080" indent="-342360">
+            <a:pPr marL="343080" indent="-342000">
               <a:lnSpc>
                 <a:spcPct val="100000"/>
               </a:lnSpc>
@@ -8815,6 +8933,7 @@
                   <a:srgbClr val="000000"/>
                 </a:solidFill>
                 <a:latin typeface="Calibri"/>
+                <a:ea typeface="DejaVu Sans"/>
               </a:rPr>
               <a:t>Hardware that has already been tested with the Multicomp project</a:t>
             </a:r>
@@ -8823,7 +8942,7 @@
             </a:endParaRPr>
           </a:p>
           <a:p>
-            <a:pPr lvl="1" marL="743040" indent="-285120">
+            <a:pPr lvl="1" marL="743040" indent="-284760">
               <a:lnSpc>
                 <a:spcPct val="100000"/>
               </a:lnSpc>
@@ -8842,6 +8961,7 @@
                   <a:srgbClr val="000000"/>
                 </a:solidFill>
                 <a:latin typeface="Calibri"/>
+                <a:ea typeface="DejaVu Sans"/>
               </a:rPr>
               <a:t>Altera EP4CE6 FPGA – 50 MHz clock</a:t>
             </a:r>
@@ -8850,7 +8970,7 @@
             </a:endParaRPr>
           </a:p>
           <a:p>
-            <a:pPr lvl="1" marL="743040" indent="-285120">
+            <a:pPr lvl="1" marL="743040" indent="-284760">
               <a:lnSpc>
                 <a:spcPct val="100000"/>
               </a:lnSpc>
@@ -8869,6 +8989,7 @@
                   <a:srgbClr val="000000"/>
                 </a:solidFill>
                 <a:latin typeface="Calibri"/>
+                <a:ea typeface="DejaVu Sans"/>
               </a:rPr>
               <a:t>USB-Serial</a:t>
             </a:r>
@@ -8877,7 +8998,7 @@
             </a:endParaRPr>
           </a:p>
           <a:p>
-            <a:pPr lvl="1" marL="743040" indent="-285120">
+            <a:pPr lvl="1" marL="743040" indent="-284760">
               <a:lnSpc>
                 <a:spcPct val="100000"/>
               </a:lnSpc>
@@ -8896,6 +9017,7 @@
                   <a:srgbClr val="000000"/>
                 </a:solidFill>
                 <a:latin typeface="Calibri"/>
+                <a:ea typeface="DejaVu Sans"/>
               </a:rPr>
               <a:t>PS/2 keyboard</a:t>
             </a:r>
@@ -8904,7 +9026,7 @@
             </a:endParaRPr>
           </a:p>
           <a:p>
-            <a:pPr lvl="1" marL="743040" indent="-285120">
+            <a:pPr lvl="1" marL="743040" indent="-284760">
               <a:lnSpc>
                 <a:spcPct val="100000"/>
               </a:lnSpc>
@@ -8923,6 +9045,7 @@
                   <a:srgbClr val="000000"/>
                 </a:solidFill>
                 <a:latin typeface="Calibri"/>
+                <a:ea typeface="DejaVu Sans"/>
               </a:rPr>
               <a:t>VGA</a:t>
             </a:r>
@@ -8931,7 +9054,7 @@
             </a:endParaRPr>
           </a:p>
           <a:p>
-            <a:pPr lvl="1" marL="743040" indent="-285120">
+            <a:pPr lvl="1" marL="743040" indent="-284760">
               <a:lnSpc>
                 <a:spcPct val="100000"/>
               </a:lnSpc>
@@ -8950,6 +9073,7 @@
                   <a:srgbClr val="000000"/>
                 </a:solidFill>
                 <a:latin typeface="Calibri"/>
+                <a:ea typeface="DejaVu Sans"/>
               </a:rPr>
               <a:t>Keys, LEDs, Buzzer</a:t>
             </a:r>
@@ -8958,7 +9082,7 @@
             </a:endParaRPr>
           </a:p>
           <a:p>
-            <a:pPr lvl="1" marL="743040" indent="-285120">
+            <a:pPr lvl="1" marL="743040" indent="-284760">
               <a:lnSpc>
                 <a:spcPct val="100000"/>
               </a:lnSpc>
@@ -8977,6 +9101,7 @@
                   <a:srgbClr val="000000"/>
                 </a:solidFill>
                 <a:latin typeface="Calibri"/>
+                <a:ea typeface="DejaVu Sans"/>
               </a:rPr>
               <a:t>4 digit, 7 segment display</a:t>
             </a:r>
@@ -9005,7 +9130,7 @@
         <p:spPr>
           <a:xfrm>
             <a:off x="457200" y="6356520"/>
-            <a:ext cx="2133000" cy="364320"/>
+            <a:ext cx="2132640" cy="363960"/>
           </a:xfrm>
           <a:prstGeom prst="rect">
             <a:avLst/>
@@ -9029,12 +9154,13 @@
                 <a:spcPct val="100000"/>
               </a:lnSpc>
             </a:pPr>
-            <a:fld id="{EC38D02A-092A-4786-8738-DE4F48AE35CE}" type="datetime1">
+            <a:fld id="{7A7FAA56-0F56-456F-9D18-F5DC0262BF50}" type="datetime1">
               <a:rPr b="0" lang="en-US" sz="1200" spc="-1" strike="noStrike">
                 <a:solidFill>
                   <a:srgbClr val="8b8b8b"/>
                 </a:solidFill>
                 <a:latin typeface="Calibri"/>
+                <a:ea typeface="DejaVu Sans"/>
               </a:rPr>
               <a:t>04/28/2019</a:t>
             </a:fld>
@@ -9053,7 +9179,7 @@
         <p:spPr>
           <a:xfrm>
             <a:off x="3124080" y="6356520"/>
-            <a:ext cx="2894760" cy="364320"/>
+            <a:ext cx="2894400" cy="363960"/>
           </a:xfrm>
           <a:prstGeom prst="rect">
             <a:avLst/>
@@ -9083,6 +9209,7 @@
                   <a:srgbClr val="8b8b8b"/>
                 </a:solidFill>
                 <a:latin typeface="Calibri"/>
+                <a:ea typeface="DejaVu Sans"/>
               </a:rPr>
               <a:t>R32V2020</a:t>
             </a:r>
@@ -9101,7 +9228,7 @@
         <p:spPr>
           <a:xfrm>
             <a:off x="6553080" y="6356520"/>
-            <a:ext cx="2133000" cy="364320"/>
+            <a:ext cx="2132640" cy="363960"/>
           </a:xfrm>
           <a:prstGeom prst="rect">
             <a:avLst/>
@@ -9125,14 +9252,15 @@
                 <a:spcPct val="100000"/>
               </a:lnSpc>
             </a:pPr>
-            <a:fld id="{EAFD1B4C-5133-483D-AFBA-0C921A3830CF}" type="slidenum">
+            <a:fld id="{3E48C589-2315-4478-B14B-6B5AFFB66C98}" type="slidenum">
               <a:rPr b="0" lang="en-US" sz="1200" spc="-1" strike="noStrike">
                 <a:solidFill>
                   <a:srgbClr val="8b8b8b"/>
                 </a:solidFill>
                 <a:latin typeface="Calibri"/>
-              </a:rPr>
-              <a:t>1</a:t>
+                <a:ea typeface="DejaVu Sans"/>
+              </a:rPr>
+              <a:t>&lt;number&gt;</a:t>
             </a:fld>
             <a:endParaRPr b="0" lang="en-US" sz="1200" spc="-1" strike="noStrike">
               <a:latin typeface="Arial"/>
@@ -9198,7 +9326,7 @@
         <p:spPr>
           <a:xfrm>
             <a:off x="457200" y="274680"/>
-            <a:ext cx="8228880" cy="1142280"/>
+            <a:ext cx="8228520" cy="1141920"/>
           </a:xfrm>
           <a:prstGeom prst="rect">
             <a:avLst/>
@@ -9228,6 +9356,7 @@
                   <a:srgbClr val="000000"/>
                 </a:solidFill>
                 <a:latin typeface="Calibri"/>
+                <a:ea typeface="DejaVu Sans"/>
               </a:rPr>
               <a:t>EP4 On-card Resources (cont’d)</a:t>
             </a:r>
@@ -9246,7 +9375,7 @@
         <p:spPr>
           <a:xfrm>
             <a:off x="457200" y="1600200"/>
-            <a:ext cx="8228880" cy="4525200"/>
+            <a:ext cx="8228520" cy="4524840"/>
           </a:xfrm>
           <a:prstGeom prst="rect">
             <a:avLst/>
@@ -9267,7 +9396,7 @@
             <a:normAutofit/>
           </a:bodyPr>
           <a:p>
-            <a:pPr marL="343080" indent="-342360">
+            <a:pPr marL="343080" indent="-342000">
               <a:lnSpc>
                 <a:spcPct val="100000"/>
               </a:lnSpc>
@@ -9286,6 +9415,7 @@
                   <a:srgbClr val="000000"/>
                 </a:solidFill>
                 <a:latin typeface="Calibri"/>
+                <a:ea typeface="DejaVu Sans"/>
               </a:rPr>
               <a:t>Hardware not yet tested with Multicomp</a:t>
             </a:r>
@@ -9294,7 +9424,7 @@
             </a:endParaRPr>
           </a:p>
           <a:p>
-            <a:pPr lvl="1" marL="743040" indent="-285120">
+            <a:pPr lvl="1" marL="743040" indent="-284760">
               <a:lnSpc>
                 <a:spcPct val="100000"/>
               </a:lnSpc>
@@ -9313,6 +9443,7 @@
                   <a:srgbClr val="000000"/>
                 </a:solidFill>
                 <a:latin typeface="Calibri"/>
+                <a:ea typeface="DejaVu Sans"/>
               </a:rPr>
               <a:t>SDRAM</a:t>
             </a:r>
@@ -9321,7 +9452,7 @@
             </a:endParaRPr>
           </a:p>
           <a:p>
-            <a:pPr lvl="2" marL="648000" indent="-216000">
+            <a:pPr lvl="2" marL="648000" indent="-215640">
               <a:lnSpc>
                 <a:spcPct val="100000"/>
               </a:lnSpc>
@@ -9341,6 +9472,7 @@
                   <a:srgbClr val="000000"/>
                 </a:solidFill>
                 <a:latin typeface="Calibri"/>
+                <a:ea typeface="DejaVu Sans"/>
               </a:rPr>
               <a:t>Not required but would be nice for larger instruction space</a:t>
             </a:r>
@@ -9349,7 +9481,7 @@
             </a:endParaRPr>
           </a:p>
           <a:p>
-            <a:pPr lvl="1" marL="743040" indent="-285120">
+            <a:pPr lvl="1" marL="743040" indent="-284760">
               <a:lnSpc>
                 <a:spcPct val="100000"/>
               </a:lnSpc>
@@ -9368,6 +9500,7 @@
                   <a:srgbClr val="000000"/>
                 </a:solidFill>
                 <a:latin typeface="Calibri"/>
+                <a:ea typeface="DejaVu Sans"/>
               </a:rPr>
               <a:t>A/D</a:t>
             </a:r>
@@ -9376,7 +9509,7 @@
             </a:endParaRPr>
           </a:p>
           <a:p>
-            <a:pPr lvl="1" marL="743040" indent="-285120">
+            <a:pPr lvl="1" marL="743040" indent="-284760">
               <a:lnSpc>
                 <a:spcPct val="100000"/>
               </a:lnSpc>
@@ -9395,6 +9528,7 @@
                   <a:srgbClr val="000000"/>
                 </a:solidFill>
                 <a:latin typeface="Calibri"/>
+                <a:ea typeface="DejaVu Sans"/>
               </a:rPr>
               <a:t>IR receiver</a:t>
             </a:r>
@@ -9403,7 +9537,7 @@
             </a:endParaRPr>
           </a:p>
           <a:p>
-            <a:pPr lvl="1" marL="743040" indent="-285120">
+            <a:pPr lvl="1" marL="743040" indent="-284760">
               <a:lnSpc>
                 <a:spcPct val="100000"/>
               </a:lnSpc>
@@ -9422,6 +9556,7 @@
                   <a:srgbClr val="000000"/>
                 </a:solidFill>
                 <a:latin typeface="Calibri"/>
+                <a:ea typeface="DejaVu Sans"/>
               </a:rPr>
               <a:t>Serial EEPROM</a:t>
             </a:r>
@@ -9453,7 +9588,7 @@
         <p:spPr>
           <a:xfrm>
             <a:off x="457200" y="6356520"/>
-            <a:ext cx="2133000" cy="364320"/>
+            <a:ext cx="2132640" cy="363960"/>
           </a:xfrm>
           <a:prstGeom prst="rect">
             <a:avLst/>
@@ -9477,12 +9612,13 @@
                 <a:spcPct val="100000"/>
               </a:lnSpc>
             </a:pPr>
-            <a:fld id="{CD9B69D7-40E5-4D89-B9DC-E567F9E03D8E}" type="datetime1">
+            <a:fld id="{81DC2A72-A33E-45CB-A0FC-944ED84863A3}" type="datetime1">
               <a:rPr b="0" lang="en-US" sz="1200" spc="-1" strike="noStrike">
                 <a:solidFill>
                   <a:srgbClr val="8b8b8b"/>
                 </a:solidFill>
                 <a:latin typeface="Calibri"/>
+                <a:ea typeface="DejaVu Sans"/>
               </a:rPr>
               <a:t>04/28/2019</a:t>
             </a:fld>
@@ -9501,7 +9637,7 @@
         <p:spPr>
           <a:xfrm>
             <a:off x="3124080" y="6356520"/>
-            <a:ext cx="2894760" cy="364320"/>
+            <a:ext cx="2894400" cy="363960"/>
           </a:xfrm>
           <a:prstGeom prst="rect">
             <a:avLst/>
@@ -9531,6 +9667,7 @@
                   <a:srgbClr val="8b8b8b"/>
                 </a:solidFill>
                 <a:latin typeface="Calibri"/>
+                <a:ea typeface="DejaVu Sans"/>
               </a:rPr>
               <a:t>R32V2020</a:t>
             </a:r>
@@ -9549,7 +9686,7 @@
         <p:spPr>
           <a:xfrm>
             <a:off x="6553080" y="6356520"/>
-            <a:ext cx="2133000" cy="364320"/>
+            <a:ext cx="2132640" cy="363960"/>
           </a:xfrm>
           <a:prstGeom prst="rect">
             <a:avLst/>
@@ -9573,14 +9710,15 @@
                 <a:spcPct val="100000"/>
               </a:lnSpc>
             </a:pPr>
-            <a:fld id="{D8B97324-B5A5-4537-99A2-0C2F6D4D6553}" type="slidenum">
+            <a:fld id="{AFA6D8E6-8CD0-4C9D-8BDE-1DE6094BA3CC}" type="slidenum">
               <a:rPr b="0" lang="en-US" sz="1200" spc="-1" strike="noStrike">
                 <a:solidFill>
                   <a:srgbClr val="8b8b8b"/>
                 </a:solidFill>
                 <a:latin typeface="Calibri"/>
-              </a:rPr>
-              <a:t>1</a:t>
+                <a:ea typeface="DejaVu Sans"/>
+              </a:rPr>
+              <a:t>&lt;number&gt;</a:t>
             </a:fld>
             <a:endParaRPr b="0" lang="en-US" sz="1200" spc="-1" strike="noStrike">
               <a:latin typeface="Arial"/>
@@ -9646,7 +9784,7 @@
         <p:spPr>
           <a:xfrm>
             <a:off x="457200" y="274680"/>
-            <a:ext cx="8228880" cy="1142280"/>
+            <a:ext cx="8228520" cy="1141920"/>
           </a:xfrm>
           <a:prstGeom prst="rect">
             <a:avLst/>
@@ -9678,6 +9816,7 @@
                   <a:srgbClr val="000000"/>
                 </a:solidFill>
                 <a:latin typeface="Calibri"/>
+                <a:ea typeface="DejaVu Sans"/>
               </a:rPr>
               <a:t>VHDL Peripherals</a:t>
             </a:r>
@@ -9688,6 +9827,7 @@
                   <a:srgbClr val="000000"/>
                 </a:solidFill>
                 <a:latin typeface="Calibri"/>
+                <a:ea typeface="DejaVu Sans"/>
               </a:rPr>
               <a:t>(tested with Multicomp)</a:t>
             </a:r>
@@ -9706,7 +9846,7 @@
         <p:spPr>
           <a:xfrm>
             <a:off x="457200" y="1600200"/>
-            <a:ext cx="8228880" cy="4525200"/>
+            <a:ext cx="8228520" cy="4524840"/>
           </a:xfrm>
           <a:prstGeom prst="rect">
             <a:avLst/>
@@ -9725,7 +9865,7 @@
         <p:txBody>
           <a:bodyPr lIns="90000" rIns="90000" tIns="45000" bIns="45000"/>
           <a:p>
-            <a:pPr marL="343080" indent="-342360">
+            <a:pPr marL="343080" indent="-342000">
               <a:lnSpc>
                 <a:spcPct val="100000"/>
               </a:lnSpc>
@@ -9744,6 +9884,7 @@
                   <a:srgbClr val="000000"/>
                 </a:solidFill>
                 <a:latin typeface="Calibri"/>
+                <a:ea typeface="DejaVu Sans"/>
               </a:rPr>
               <a:t>VGA (2/2/2 video mode)</a:t>
             </a:r>
@@ -9752,7 +9893,7 @@
             </a:endParaRPr>
           </a:p>
           <a:p>
-            <a:pPr lvl="1" marL="743040" indent="-285120">
+            <a:pPr lvl="1" marL="743040" indent="-284760">
               <a:lnSpc>
                 <a:spcPct val="100000"/>
               </a:lnSpc>
@@ -9771,6 +9912,7 @@
                   <a:srgbClr val="000000"/>
                 </a:solidFill>
                 <a:latin typeface="Calibri"/>
+                <a:ea typeface="DejaVu Sans"/>
               </a:rPr>
               <a:t>Memory Mapped character display (64x32)</a:t>
             </a:r>
@@ -9779,7 +9921,7 @@
             </a:endParaRPr>
           </a:p>
           <a:p>
-            <a:pPr lvl="1" marL="743040" indent="-285120">
+            <a:pPr lvl="1" marL="743040" indent="-284760">
               <a:lnSpc>
                 <a:spcPct val="100000"/>
               </a:lnSpc>
@@ -9798,6 +9940,7 @@
                   <a:srgbClr val="000000"/>
                 </a:solidFill>
                 <a:latin typeface="Calibri"/>
+                <a:ea typeface="DejaVu Sans"/>
               </a:rPr>
               <a:t>ANSI terminal (UART emulation) display (80x32)</a:t>
             </a:r>
@@ -9806,7 +9949,7 @@
             </a:endParaRPr>
           </a:p>
           <a:p>
-            <a:pPr marL="343080" indent="-342360">
+            <a:pPr marL="343080" indent="-342000">
               <a:lnSpc>
                 <a:spcPct val="100000"/>
               </a:lnSpc>
@@ -9825,6 +9968,7 @@
                   <a:srgbClr val="000000"/>
                 </a:solidFill>
                 <a:latin typeface="Calibri"/>
+                <a:ea typeface="DejaVu Sans"/>
               </a:rPr>
               <a:t>PS/2 Interface (connector on card)</a:t>
             </a:r>
@@ -9833,7 +9977,7 @@
             </a:endParaRPr>
           </a:p>
           <a:p>
-            <a:pPr marL="343080" indent="-342360">
+            <a:pPr marL="343080" indent="-342000">
               <a:lnSpc>
                 <a:spcPct val="100000"/>
               </a:lnSpc>
@@ -9852,6 +9996,7 @@
                   <a:srgbClr val="000000"/>
                 </a:solidFill>
                 <a:latin typeface="Calibri"/>
+                <a:ea typeface="DejaVu Sans"/>
               </a:rPr>
               <a:t>UART</a:t>
             </a:r>
@@ -9860,7 +10005,7 @@
             </a:endParaRPr>
           </a:p>
           <a:p>
-            <a:pPr lvl="1" marL="743040" indent="-285120">
+            <a:pPr lvl="1" marL="743040" indent="-284760">
               <a:lnSpc>
                 <a:spcPct val="100000"/>
               </a:lnSpc>
@@ -9879,6 +10024,7 @@
                   <a:srgbClr val="000000"/>
                 </a:solidFill>
                 <a:latin typeface="Calibri"/>
+                <a:ea typeface="DejaVu Sans"/>
               </a:rPr>
               <a:t>6850 ACIA (via USB-Serial interface)</a:t>
             </a:r>
@@ -9887,7 +10033,7 @@
             </a:endParaRPr>
           </a:p>
           <a:p>
-            <a:pPr marL="343080" indent="-342360">
+            <a:pPr marL="343080" indent="-342000">
               <a:lnSpc>
                 <a:spcPct val="100000"/>
               </a:lnSpc>
@@ -9906,6 +10052,7 @@
                   <a:srgbClr val="000000"/>
                 </a:solidFill>
                 <a:latin typeface="Calibri"/>
+                <a:ea typeface="DejaVu Sans"/>
               </a:rPr>
               <a:t>Sound</a:t>
             </a:r>
@@ -9914,7 +10061,7 @@
             </a:endParaRPr>
           </a:p>
           <a:p>
-            <a:pPr lvl="1" marL="743040" indent="-285120">
+            <a:pPr lvl="1" marL="743040" indent="-284760">
               <a:lnSpc>
                 <a:spcPct val="100000"/>
               </a:lnSpc>
@@ -9933,6 +10080,7 @@
                   <a:srgbClr val="000000"/>
                 </a:solidFill>
                 <a:latin typeface="Calibri"/>
+                <a:ea typeface="DejaVu Sans"/>
               </a:rPr>
               <a:t>Various from buzzes to tones</a:t>
             </a:r>
@@ -9951,7 +10099,7 @@
         <p:spPr>
           <a:xfrm>
             <a:off x="457200" y="6356520"/>
-            <a:ext cx="2133000" cy="364320"/>
+            <a:ext cx="2132640" cy="363960"/>
           </a:xfrm>
           <a:prstGeom prst="rect">
             <a:avLst/>
@@ -9975,12 +10123,13 @@
                 <a:spcPct val="100000"/>
               </a:lnSpc>
             </a:pPr>
-            <a:fld id="{187ADC31-6439-4097-A236-C0B968BB968E}" type="datetime1">
+            <a:fld id="{B1B28CAC-98BE-438C-A90B-9EE8A852AB53}" type="datetime1">
               <a:rPr b="0" lang="en-US" sz="1200" spc="-1" strike="noStrike">
                 <a:solidFill>
                   <a:srgbClr val="8b8b8b"/>
                 </a:solidFill>
                 <a:latin typeface="Calibri"/>
+                <a:ea typeface="DejaVu Sans"/>
               </a:rPr>
               <a:t>04/28/2019</a:t>
             </a:fld>
@@ -9999,7 +10148,7 @@
         <p:spPr>
           <a:xfrm>
             <a:off x="3124080" y="6356520"/>
-            <a:ext cx="2894760" cy="364320"/>
+            <a:ext cx="2894400" cy="363960"/>
           </a:xfrm>
           <a:prstGeom prst="rect">
             <a:avLst/>
@@ -10029,6 +10178,7 @@
                   <a:srgbClr val="8b8b8b"/>
                 </a:solidFill>
                 <a:latin typeface="Calibri"/>
+                <a:ea typeface="DejaVu Sans"/>
               </a:rPr>
               <a:t>R32V2020</a:t>
             </a:r>
@@ -10047,7 +10197,7 @@
         <p:spPr>
           <a:xfrm>
             <a:off x="6553080" y="6356520"/>
-            <a:ext cx="2133000" cy="364320"/>
+            <a:ext cx="2132640" cy="363960"/>
           </a:xfrm>
           <a:prstGeom prst="rect">
             <a:avLst/>
@@ -10071,14 +10221,15 @@
                 <a:spcPct val="100000"/>
               </a:lnSpc>
             </a:pPr>
-            <a:fld id="{A5BD7B53-AD1C-47CA-B2B0-867575B6EB20}" type="slidenum">
+            <a:fld id="{0919CC1E-424D-4883-9099-73C515E82F43}" type="slidenum">
               <a:rPr b="0" lang="en-US" sz="1200" spc="-1" strike="noStrike">
                 <a:solidFill>
                   <a:srgbClr val="8b8b8b"/>
                 </a:solidFill>
                 <a:latin typeface="Calibri"/>
-              </a:rPr>
-              <a:t>1</a:t>
+                <a:ea typeface="DejaVu Sans"/>
+              </a:rPr>
+              <a:t>&lt;number&gt;</a:t>
             </a:fld>
             <a:endParaRPr b="0" lang="en-US" sz="1200" spc="-1" strike="noStrike">
               <a:latin typeface="Arial"/>
@@ -10144,7 +10295,7 @@
         <p:spPr>
           <a:xfrm>
             <a:off x="457200" y="274680"/>
-            <a:ext cx="8228880" cy="1142280"/>
+            <a:ext cx="8228520" cy="1141920"/>
           </a:xfrm>
           <a:prstGeom prst="rect">
             <a:avLst/>
@@ -10174,6 +10325,7 @@
                   <a:srgbClr val="000000"/>
                 </a:solidFill>
                 <a:latin typeface="Calibri"/>
+                <a:ea typeface="DejaVu Sans"/>
               </a:rPr>
               <a:t>Resources in Altera EP4CE6</a:t>
             </a:r>
@@ -10192,7 +10344,7 @@
         <p:spPr>
           <a:xfrm>
             <a:off x="457200" y="1600200"/>
-            <a:ext cx="8228880" cy="4525200"/>
+            <a:ext cx="8228520" cy="4524840"/>
           </a:xfrm>
           <a:prstGeom prst="rect">
             <a:avLst/>
@@ -10211,7 +10363,7 @@
         <p:txBody>
           <a:bodyPr lIns="90000" rIns="90000" tIns="45000" bIns="45000"/>
           <a:p>
-            <a:pPr marL="343080" indent="-342360">
+            <a:pPr marL="343080" indent="-342000">
               <a:lnSpc>
                 <a:spcPct val="100000"/>
               </a:lnSpc>
@@ -10230,6 +10382,7 @@
                   <a:srgbClr val="000000"/>
                 </a:solidFill>
                 <a:latin typeface="Calibri"/>
+                <a:ea typeface="DejaVu Sans"/>
               </a:rPr>
               <a:t>Cyclone IV lowest end part</a:t>
             </a:r>
@@ -10238,7 +10391,7 @@
             </a:endParaRPr>
           </a:p>
           <a:p>
-            <a:pPr marL="343080" indent="-342360">
+            <a:pPr marL="343080" indent="-342000">
               <a:lnSpc>
                 <a:spcPct val="100000"/>
               </a:lnSpc>
@@ -10257,6 +10410,7 @@
                   <a:srgbClr val="000000"/>
                 </a:solidFill>
                 <a:latin typeface="Calibri"/>
+                <a:ea typeface="DejaVu Sans"/>
               </a:rPr>
               <a:t>Logic Elements (LEs) = 6276</a:t>
             </a:r>
@@ -10265,7 +10419,7 @@
             </a:endParaRPr>
           </a:p>
           <a:p>
-            <a:pPr marL="343080" indent="-342360">
+            <a:pPr marL="343080" indent="-342000">
               <a:lnSpc>
                 <a:spcPct val="100000"/>
               </a:lnSpc>
@@ -10284,6 +10438,7 @@
                   <a:srgbClr val="000000"/>
                 </a:solidFill>
                 <a:latin typeface="Calibri"/>
+                <a:ea typeface="DejaVu Sans"/>
               </a:rPr>
               <a:t>Embedded Memory (1Kx9 blocks) = 30</a:t>
             </a:r>
@@ -10292,7 +10447,7 @@
             </a:endParaRPr>
           </a:p>
           <a:p>
-            <a:pPr marL="343080" indent="-342360">
+            <a:pPr marL="343080" indent="-342000">
               <a:lnSpc>
                 <a:spcPct val="100000"/>
               </a:lnSpc>
@@ -10311,6 +10466,7 @@
                   <a:srgbClr val="000000"/>
                 </a:solidFill>
                 <a:latin typeface="Calibri"/>
+                <a:ea typeface="DejaVu Sans"/>
               </a:rPr>
               <a:t>These elements set the resource budgets</a:t>
             </a:r>
@@ -10333,7 +10489,7 @@
         <p:spPr>
           <a:xfrm>
             <a:off x="7429680" y="5181480"/>
-            <a:ext cx="1561320" cy="1561320"/>
+            <a:ext cx="1560960" cy="1560960"/>
           </a:xfrm>
           <a:prstGeom prst="rect">
             <a:avLst/>
@@ -10352,7 +10508,7 @@
         <p:spPr>
           <a:xfrm>
             <a:off x="457200" y="6356520"/>
-            <a:ext cx="2133000" cy="364320"/>
+            <a:ext cx="2132640" cy="363960"/>
           </a:xfrm>
           <a:prstGeom prst="rect">
             <a:avLst/>
@@ -10376,12 +10532,13 @@
                 <a:spcPct val="100000"/>
               </a:lnSpc>
             </a:pPr>
-            <a:fld id="{6C79F17D-55EE-43D5-87C4-13BB84133EBA}" type="datetime1">
+            <a:fld id="{09C5DD09-E7D8-4429-B4EB-AF9C2E2C8815}" type="datetime1">
               <a:rPr b="0" lang="en-US" sz="1200" spc="-1" strike="noStrike">
                 <a:solidFill>
                   <a:srgbClr val="8b8b8b"/>
                 </a:solidFill>
                 <a:latin typeface="Calibri"/>
+                <a:ea typeface="DejaVu Sans"/>
               </a:rPr>
               <a:t>04/28/2019</a:t>
             </a:fld>
@@ -10400,7 +10557,7 @@
         <p:spPr>
           <a:xfrm>
             <a:off x="3124080" y="6356520"/>
-            <a:ext cx="2894760" cy="364320"/>
+            <a:ext cx="2894400" cy="363960"/>
           </a:xfrm>
           <a:prstGeom prst="rect">
             <a:avLst/>
@@ -10430,6 +10587,7 @@
                   <a:srgbClr val="8b8b8b"/>
                 </a:solidFill>
                 <a:latin typeface="Calibri"/>
+                <a:ea typeface="DejaVu Sans"/>
               </a:rPr>
               <a:t>R32V2020</a:t>
             </a:r>
@@ -10448,7 +10606,7 @@
         <p:spPr>
           <a:xfrm>
             <a:off x="6553080" y="6356520"/>
-            <a:ext cx="2133000" cy="364320"/>
+            <a:ext cx="2132640" cy="363960"/>
           </a:xfrm>
           <a:prstGeom prst="rect">
             <a:avLst/>
@@ -10472,14 +10630,15 @@
                 <a:spcPct val="100000"/>
               </a:lnSpc>
             </a:pPr>
-            <a:fld id="{1D11BCC3-BE1F-4A41-91FD-D14CCED8E4C2}" type="slidenum">
+            <a:fld id="{6B433AE5-B948-4E70-8BE0-0DBC9EDF9DAA}" type="slidenum">
               <a:rPr b="0" lang="en-US" sz="1200" spc="-1" strike="noStrike">
                 <a:solidFill>
                   <a:srgbClr val="8b8b8b"/>
                 </a:solidFill>
                 <a:latin typeface="Calibri"/>
-              </a:rPr>
-              <a:t>1</a:t>
+                <a:ea typeface="DejaVu Sans"/>
+              </a:rPr>
+              <a:t>&lt;number&gt;</a:t>
             </a:fld>
             <a:endParaRPr b="0" lang="en-US" sz="1200" spc="-1" strike="noStrike">
               <a:latin typeface="Arial"/>
@@ -10545,7 +10704,7 @@
         <p:spPr>
           <a:xfrm>
             <a:off x="457200" y="274680"/>
-            <a:ext cx="8228880" cy="1142280"/>
+            <a:ext cx="8228520" cy="1141920"/>
           </a:xfrm>
           <a:prstGeom prst="rect">
             <a:avLst/>
@@ -10575,6 +10734,7 @@
                   <a:srgbClr val="000000"/>
                 </a:solidFill>
                 <a:latin typeface="Calibri"/>
+                <a:ea typeface="DejaVu Sans"/>
               </a:rPr>
               <a:t>Architecture Blocks</a:t>
             </a:r>
@@ -10593,7 +10753,7 @@
         <p:spPr>
           <a:xfrm>
             <a:off x="457200" y="6356520"/>
-            <a:ext cx="2133000" cy="364320"/>
+            <a:ext cx="2132640" cy="363960"/>
           </a:xfrm>
           <a:prstGeom prst="rect">
             <a:avLst/>
@@ -10617,12 +10777,13 @@
                 <a:spcPct val="100000"/>
               </a:lnSpc>
             </a:pPr>
-            <a:fld id="{5F83C796-CF10-42A2-860F-1F1346499064}" type="datetime1">
+            <a:fld id="{0BD3BC7D-BD69-46E8-B8EC-A3131AC49BA7}" type="datetime1">
               <a:rPr b="0" lang="en-US" sz="1200" spc="-1" strike="noStrike">
                 <a:solidFill>
                   <a:srgbClr val="8b8b8b"/>
                 </a:solidFill>
                 <a:latin typeface="Calibri"/>
+                <a:ea typeface="DejaVu Sans"/>
               </a:rPr>
               <a:t>04/28/2019</a:t>
             </a:fld>
@@ -10641,7 +10802,7 @@
         <p:spPr>
           <a:xfrm>
             <a:off x="3124080" y="6356520"/>
-            <a:ext cx="2894760" cy="364320"/>
+            <a:ext cx="2894400" cy="363960"/>
           </a:xfrm>
           <a:prstGeom prst="rect">
             <a:avLst/>
@@ -10671,6 +10832,7 @@
                   <a:srgbClr val="8b8b8b"/>
                 </a:solidFill>
                 <a:latin typeface="Calibri"/>
+                <a:ea typeface="DejaVu Sans"/>
               </a:rPr>
               <a:t>R32V2020</a:t>
             </a:r>
@@ -10689,7 +10851,7 @@
         <p:spPr>
           <a:xfrm>
             <a:off x="6553080" y="6356520"/>
-            <a:ext cx="2133000" cy="364320"/>
+            <a:ext cx="2132640" cy="363960"/>
           </a:xfrm>
           <a:prstGeom prst="rect">
             <a:avLst/>
@@ -10713,14 +10875,15 @@
                 <a:spcPct val="100000"/>
               </a:lnSpc>
             </a:pPr>
-            <a:fld id="{F574F483-0C16-4A31-B318-7AF093366A09}" type="slidenum">
+            <a:fld id="{13F58B73-02F0-4AE2-BB1C-B5C074D64607}" type="slidenum">
               <a:rPr b="0" lang="en-US" sz="1200" spc="-1" strike="noStrike">
                 <a:solidFill>
                   <a:srgbClr val="8b8b8b"/>
                 </a:solidFill>
                 <a:latin typeface="Calibri"/>
-              </a:rPr>
-              <a:t>1</a:t>
+                <a:ea typeface="DejaVu Sans"/>
+              </a:rPr>
+              <a:t>&lt;number&gt;</a:t>
             </a:fld>
             <a:endParaRPr b="0" lang="en-US" sz="1200" spc="-1" strike="noStrike">
               <a:latin typeface="Arial"/>
@@ -10737,7 +10900,7 @@
         <p:spPr>
           <a:xfrm>
             <a:off x="685800" y="1876320"/>
-            <a:ext cx="1065960" cy="1294560"/>
+            <a:ext cx="1065600" cy="1294200"/>
           </a:xfrm>
           <a:prstGeom prst="rect">
             <a:avLst/>
@@ -10833,7 +10996,7 @@
         <p:spPr>
           <a:xfrm>
             <a:off x="609480" y="3962880"/>
-            <a:ext cx="1218600" cy="913680"/>
+            <a:ext cx="1218240" cy="913320"/>
           </a:xfrm>
           <a:prstGeom prst="rect">
             <a:avLst/>
@@ -10929,7 +11092,7 @@
         <p:spPr>
           <a:xfrm>
             <a:off x="3810960" y="3962880"/>
-            <a:ext cx="1218600" cy="913680"/>
+            <a:ext cx="1218240" cy="913320"/>
           </a:xfrm>
           <a:prstGeom prst="rect">
             <a:avLst/>
@@ -11025,7 +11188,7 @@
         <p:spPr>
           <a:xfrm>
             <a:off x="3810960" y="2902320"/>
-            <a:ext cx="1218600" cy="913680"/>
+            <a:ext cx="1218240" cy="913320"/>
           </a:xfrm>
           <a:prstGeom prst="rect">
             <a:avLst/>
@@ -11120,8 +11283,8 @@
         </p:nvSpPr>
         <p:spPr>
           <a:xfrm>
-            <a:off x="3809880" y="1866960"/>
-            <a:ext cx="1218600" cy="913680"/>
+            <a:off x="3809880" y="1902960"/>
+            <a:ext cx="1218240" cy="913320"/>
           </a:xfrm>
           <a:prstGeom prst="rect">
             <a:avLst/>
@@ -11217,7 +11380,7 @@
         <p:spPr>
           <a:xfrm>
             <a:off x="6781680" y="1866960"/>
-            <a:ext cx="1218600" cy="913680"/>
+            <a:ext cx="1218240" cy="913320"/>
           </a:xfrm>
           <a:prstGeom prst="rect">
             <a:avLst/>
@@ -11282,7 +11445,7 @@
         <p:spPr>
           <a:xfrm>
             <a:off x="6781680" y="2902320"/>
-            <a:ext cx="1218600" cy="913680"/>
+            <a:ext cx="1218240" cy="913320"/>
           </a:xfrm>
           <a:prstGeom prst="rect">
             <a:avLst/>
@@ -11347,7 +11510,7 @@
         <p:spPr>
           <a:xfrm>
             <a:off x="6781680" y="3962880"/>
-            <a:ext cx="1218600" cy="913680"/>
+            <a:ext cx="1218240" cy="913320"/>
           </a:xfrm>
           <a:prstGeom prst="rect">
             <a:avLst/>
@@ -11412,7 +11575,7 @@
         <p:spPr>
           <a:xfrm>
             <a:off x="2209680" y="1847880"/>
-            <a:ext cx="1065960" cy="1294560"/>
+            <a:ext cx="1065600" cy="1294200"/>
           </a:xfrm>
           <a:prstGeom prst="rect">
             <a:avLst/>
@@ -11468,7 +11631,7 @@
         <p:spPr>
           <a:xfrm>
             <a:off x="2133720" y="3962880"/>
-            <a:ext cx="1218600" cy="913680"/>
+            <a:ext cx="1218240" cy="913320"/>
           </a:xfrm>
           <a:prstGeom prst="rect">
             <a:avLst/>
@@ -11544,7 +11707,7 @@
         <p:spPr>
           <a:xfrm>
             <a:off x="5334120" y="3962880"/>
-            <a:ext cx="1218600" cy="913680"/>
+            <a:ext cx="1218240" cy="913320"/>
           </a:xfrm>
           <a:prstGeom prst="rect">
             <a:avLst/>
@@ -11600,7 +11763,7 @@
         <p:spPr>
           <a:xfrm>
             <a:off x="5334120" y="2902320"/>
-            <a:ext cx="1218600" cy="913680"/>
+            <a:ext cx="1218240" cy="913320"/>
           </a:xfrm>
           <a:prstGeom prst="rect">
             <a:avLst/>
@@ -11656,7 +11819,7 @@
         <p:spPr>
           <a:xfrm>
             <a:off x="7772400" y="5562720"/>
-            <a:ext cx="761400" cy="684720"/>
+            <a:ext cx="761040" cy="684360"/>
           </a:xfrm>
           <a:prstGeom prst="rect">
             <a:avLst/>
@@ -11732,7 +11895,7 @@
         <p:spPr>
           <a:xfrm>
             <a:off x="6629400" y="5562720"/>
-            <a:ext cx="837360" cy="665640"/>
+            <a:ext cx="837000" cy="665280"/>
           </a:xfrm>
           <a:prstGeom prst="rect">
             <a:avLst/>
@@ -11866,7 +12029,7 @@
         <p:spPr>
           <a:xfrm>
             <a:off x="457200" y="274680"/>
-            <a:ext cx="8228880" cy="1142280"/>
+            <a:ext cx="8228520" cy="1141920"/>
           </a:xfrm>
           <a:prstGeom prst="rect">
             <a:avLst/>
@@ -11896,6 +12059,7 @@
                   <a:srgbClr val="000000"/>
                 </a:solidFill>
                 <a:latin typeface="Calibri"/>
+                <a:ea typeface="DejaVu Sans"/>
               </a:rPr>
               <a:t>Register File</a:t>
             </a:r>
@@ -11914,7 +12078,7 @@
         <p:spPr>
           <a:xfrm>
             <a:off x="457200" y="1600200"/>
-            <a:ext cx="8228880" cy="4525200"/>
+            <a:ext cx="8228520" cy="4524840"/>
           </a:xfrm>
           <a:prstGeom prst="rect">
             <a:avLst/>
@@ -11935,7 +12099,7 @@
             <a:normAutofit/>
           </a:bodyPr>
           <a:p>
-            <a:pPr marL="343080" indent="-342360">
+            <a:pPr marL="343080" indent="-342000">
               <a:lnSpc>
                 <a:spcPct val="100000"/>
               </a:lnSpc>
@@ -11954,6 +12118,7 @@
                   <a:srgbClr val="000000"/>
                 </a:solidFill>
                 <a:latin typeface="Calibri"/>
+                <a:ea typeface="DejaVu Sans"/>
               </a:rPr>
               <a:t>16 registers (r0-r15)</a:t>
             </a:r>
@@ -11962,7 +12127,7 @@
             </a:endParaRPr>
           </a:p>
           <a:p>
-            <a:pPr marL="343080" indent="-342360">
+            <a:pPr marL="343080" indent="-342000">
               <a:lnSpc>
                 <a:spcPct val="100000"/>
               </a:lnSpc>
@@ -11981,6 +12146,7 @@
                   <a:srgbClr val="000000"/>
                 </a:solidFill>
                 <a:latin typeface="Calibri"/>
+                <a:ea typeface="DejaVu Sans"/>
               </a:rPr>
               <a:t>32-bits per register</a:t>
             </a:r>
@@ -11989,7 +12155,7 @@
             </a:endParaRPr>
           </a:p>
           <a:p>
-            <a:pPr marL="343080" indent="-342360">
+            <a:pPr marL="343080" indent="-342000">
               <a:lnSpc>
                 <a:spcPct val="100000"/>
               </a:lnSpc>
@@ -12008,6 +12174,7 @@
                   <a:srgbClr val="000000"/>
                 </a:solidFill>
                 <a:latin typeface="Calibri"/>
+                <a:ea typeface="DejaVu Sans"/>
               </a:rPr>
               <a:t>Some registers are dedicated and some are general purpose</a:t>
             </a:r>
@@ -12016,7 +12183,7 @@
             </a:endParaRPr>
           </a:p>
           <a:p>
-            <a:pPr marL="343080" indent="-342360">
+            <a:pPr marL="343080" indent="-342000">
               <a:lnSpc>
                 <a:spcPct val="100000"/>
               </a:lnSpc>
@@ -12035,6 +12202,7 @@
                   <a:srgbClr val="000000"/>
                 </a:solidFill>
                 <a:latin typeface="Calibri"/>
+                <a:ea typeface="DejaVu Sans"/>
               </a:rPr>
               <a:t>All registers reset to known value</a:t>
             </a:r>
@@ -12043,7 +12211,7 @@
             </a:endParaRPr>
           </a:p>
           <a:p>
-            <a:pPr lvl="1" marL="432000" indent="-216000">
+            <a:pPr lvl="1" marL="432000" indent="-215640">
               <a:lnSpc>
                 <a:spcPct val="100000"/>
               </a:lnSpc>
@@ -12063,6 +12231,7 @@
                   <a:srgbClr val="000000"/>
                 </a:solidFill>
                 <a:latin typeface="Calibri"/>
+                <a:ea typeface="DejaVu Sans"/>
               </a:rPr>
               <a:t>Most registers clear to zero at reset</a:t>
             </a:r>
@@ -12071,7 +12240,7 @@
             </a:endParaRPr>
           </a:p>
           <a:p>
-            <a:pPr marL="343080" indent="-342360">
+            <a:pPr marL="343080" indent="-342000">
               <a:lnSpc>
                 <a:spcPct val="100000"/>
               </a:lnSpc>
@@ -12090,6 +12259,7 @@
                   <a:srgbClr val="000000"/>
                 </a:solidFill>
                 <a:latin typeface="Calibri"/>
+                <a:ea typeface="DejaVu Sans"/>
               </a:rPr>
               <a:t>Uses &lt; 512 Logic Elements (LEs)</a:t>
             </a:r>
@@ -12098,7 +12268,7 @@
             </a:endParaRPr>
           </a:p>
           <a:p>
-            <a:pPr lvl="1" marL="743040" indent="-285120">
+            <a:pPr lvl="1" marL="743040" indent="-284760">
               <a:lnSpc>
                 <a:spcPct val="100000"/>
               </a:lnSpc>
@@ -12117,6 +12287,7 @@
                   <a:srgbClr val="000000"/>
                 </a:solidFill>
                 <a:latin typeface="Calibri"/>
+                <a:ea typeface="DejaVu Sans"/>
               </a:rPr>
               <a:t>Less than 10% of the available EP4 LEs</a:t>
             </a:r>
@@ -12139,7 +12310,7 @@
         <p:spPr>
           <a:xfrm>
             <a:off x="7429680" y="5181480"/>
-            <a:ext cx="1561320" cy="1561320"/>
+            <a:ext cx="1560960" cy="1560960"/>
           </a:xfrm>
           <a:prstGeom prst="rect">
             <a:avLst/>
@@ -12158,7 +12329,7 @@
         <p:spPr>
           <a:xfrm>
             <a:off x="457200" y="6356520"/>
-            <a:ext cx="2133000" cy="364320"/>
+            <a:ext cx="2132640" cy="363960"/>
           </a:xfrm>
           <a:prstGeom prst="rect">
             <a:avLst/>
@@ -12182,12 +12353,13 @@
                 <a:spcPct val="100000"/>
               </a:lnSpc>
             </a:pPr>
-            <a:fld id="{42F2523B-D5EA-4814-9510-D23E2C007DC0}" type="datetime1">
+            <a:fld id="{731B1B21-EFC7-4DD4-8578-45A885EDE42A}" type="datetime1">
               <a:rPr b="0" lang="en-US" sz="1200" spc="-1" strike="noStrike">
                 <a:solidFill>
                   <a:srgbClr val="8b8b8b"/>
                 </a:solidFill>
                 <a:latin typeface="Calibri"/>
+                <a:ea typeface="DejaVu Sans"/>
               </a:rPr>
               <a:t>04/28/2019</a:t>
             </a:fld>
@@ -12206,7 +12378,7 @@
         <p:spPr>
           <a:xfrm>
             <a:off x="3124080" y="6356520"/>
-            <a:ext cx="2894760" cy="364320"/>
+            <a:ext cx="2894400" cy="363960"/>
           </a:xfrm>
           <a:prstGeom prst="rect">
             <a:avLst/>
@@ -12236,6 +12408,7 @@
                   <a:srgbClr val="8b8b8b"/>
                 </a:solidFill>
                 <a:latin typeface="Calibri"/>
+                <a:ea typeface="DejaVu Sans"/>
               </a:rPr>
               <a:t>R32V2020</a:t>
             </a:r>
@@ -12254,7 +12427,7 @@
         <p:spPr>
           <a:xfrm>
             <a:off x="6553080" y="6356520"/>
-            <a:ext cx="2133000" cy="364320"/>
+            <a:ext cx="2132640" cy="363960"/>
           </a:xfrm>
           <a:prstGeom prst="rect">
             <a:avLst/>
@@ -12278,14 +12451,15 @@
                 <a:spcPct val="100000"/>
               </a:lnSpc>
             </a:pPr>
-            <a:fld id="{2D3E1E51-5BA3-4C15-8F6E-2297FDD3E887}" type="slidenum">
+            <a:fld id="{91C0D9F8-C037-424B-9E08-9B8E96F391E9}" type="slidenum">
               <a:rPr b="0" lang="en-US" sz="1200" spc="-1" strike="noStrike">
                 <a:solidFill>
                   <a:srgbClr val="8b8b8b"/>
                 </a:solidFill>
                 <a:latin typeface="Calibri"/>
-              </a:rPr>
-              <a:t>1</a:t>
+                <a:ea typeface="DejaVu Sans"/>
+              </a:rPr>
+              <a:t>&lt;number&gt;</a:t>
             </a:fld>
             <a:endParaRPr b="0" lang="en-US" sz="1200" spc="-1" strike="noStrike">
               <a:latin typeface="Arial"/>
@@ -12351,7 +12525,7 @@
         <p:spPr>
           <a:xfrm>
             <a:off x="457200" y="274680"/>
-            <a:ext cx="8228880" cy="1142280"/>
+            <a:ext cx="8228520" cy="1141920"/>
           </a:xfrm>
           <a:prstGeom prst="rect">
             <a:avLst/>
@@ -12381,6 +12555,7 @@
                   <a:srgbClr val="000000"/>
                 </a:solidFill>
                 <a:latin typeface="Calibri"/>
+                <a:ea typeface="DejaVu Sans"/>
               </a:rPr>
               <a:t>Register File (Cont’d)</a:t>
             </a:r>
@@ -12399,7 +12574,7 @@
         <p:spPr>
           <a:xfrm>
             <a:off x="457200" y="1600200"/>
-            <a:ext cx="8228880" cy="4525200"/>
+            <a:ext cx="8228520" cy="4524840"/>
           </a:xfrm>
           <a:prstGeom prst="rect">
             <a:avLst/>
@@ -12420,7 +12595,7 @@
             <a:normAutofit/>
           </a:bodyPr>
           <a:p>
-            <a:pPr marL="343080" indent="-342360">
+            <a:pPr marL="343080" indent="-342000">
               <a:lnSpc>
                 <a:spcPct val="100000"/>
               </a:lnSpc>
@@ -12439,6 +12614,7 @@
                   <a:srgbClr val="000000"/>
                 </a:solidFill>
                 <a:latin typeface="Calibri"/>
+                <a:ea typeface="DejaVu Sans"/>
               </a:rPr>
               <a:t>Some registers are dedicated some are Gen Purp</a:t>
             </a:r>
@@ -12447,7 +12623,7 @@
             </a:endParaRPr>
           </a:p>
           <a:p>
-            <a:pPr lvl="1" marL="743040" indent="-285120">
+            <a:pPr lvl="1" marL="743040" indent="-284760">
               <a:lnSpc>
                 <a:spcPct val="100000"/>
               </a:lnSpc>
@@ -12466,6 +12642,7 @@
                   <a:srgbClr val="000000"/>
                 </a:solidFill>
                 <a:latin typeface="Calibri"/>
+                <a:ea typeface="DejaVu Sans"/>
               </a:rPr>
               <a:t>r8-r15 = General Purpose registers (8)</a:t>
             </a:r>
@@ -12474,7 +12651,7 @@
             </a:endParaRPr>
           </a:p>
           <a:p>
-            <a:pPr lvl="1" marL="743040" indent="-285120">
+            <a:pPr lvl="1" marL="743040" indent="-284760">
               <a:lnSpc>
                 <a:spcPct val="100000"/>
               </a:lnSpc>
@@ -12493,6 +12670,7 @@
                   <a:srgbClr val="000000"/>
                 </a:solidFill>
                 <a:latin typeface="Calibri"/>
+                <a:ea typeface="DejaVu Sans"/>
               </a:rPr>
               <a:t>r0 = always 0 (read-only – stores won’t change value)</a:t>
             </a:r>
@@ -12501,7 +12679,7 @@
             </a:endParaRPr>
           </a:p>
           <a:p>
-            <a:pPr lvl="1" marL="743040" indent="-285120">
+            <a:pPr lvl="1" marL="743040" indent="-284760">
               <a:lnSpc>
                 <a:spcPct val="100000"/>
               </a:lnSpc>
@@ -12520,6 +12698,7 @@
                   <a:srgbClr val="000000"/>
                 </a:solidFill>
                 <a:latin typeface="Calibri"/>
+                <a:ea typeface="DejaVu Sans"/>
               </a:rPr>
               <a:t>r1 = always 1 (read-only – stores won’t change value)</a:t>
             </a:r>
@@ -12528,7 +12707,7 @@
             </a:endParaRPr>
           </a:p>
           <a:p>
-            <a:pPr lvl="1" marL="743040" indent="-285120">
+            <a:pPr lvl="1" marL="743040" indent="-284760">
               <a:lnSpc>
                 <a:spcPct val="100000"/>
               </a:lnSpc>
@@ -12547,6 +12726,7 @@
                   <a:srgbClr val="000000"/>
                 </a:solidFill>
                 <a:latin typeface="Calibri"/>
+                <a:ea typeface="DejaVu Sans"/>
               </a:rPr>
               <a:t>r2 = always all 1’s (0xffff)</a:t>
             </a:r>
@@ -12555,7 +12735,7 @@
             </a:endParaRPr>
           </a:p>
           <a:p>
-            <a:pPr lvl="1" marL="743040" indent="-285120">
+            <a:pPr lvl="1" marL="743040" indent="-284760">
               <a:lnSpc>
                 <a:spcPct val="100000"/>
               </a:lnSpc>
@@ -12574,6 +12754,7 @@
                   <a:srgbClr val="000000"/>
                 </a:solidFill>
                 <a:latin typeface="Calibri"/>
+                <a:ea typeface="DejaVu Sans"/>
               </a:rPr>
               <a:t>r3 = Condition Code</a:t>
             </a:r>
@@ -12582,7 +12763,7 @@
             </a:endParaRPr>
           </a:p>
           <a:p>
-            <a:pPr lvl="1" marL="743040" indent="-285120">
+            <a:pPr lvl="1" marL="743040" indent="-284760">
               <a:lnSpc>
                 <a:spcPct val="100000"/>
               </a:lnSpc>
@@ -12601,6 +12782,7 @@
                   <a:srgbClr val="000000"/>
                 </a:solidFill>
                 <a:latin typeface="Calibri"/>
+                <a:ea typeface="DejaVu Sans"/>
               </a:rPr>
               <a:t>r4 = Stack Address</a:t>
             </a:r>
@@ -12609,7 +12791,7 @@
             </a:endParaRPr>
           </a:p>
           <a:p>
-            <a:pPr lvl="1" marL="743040" indent="-285120">
+            <a:pPr lvl="1" marL="743040" indent="-284760">
               <a:lnSpc>
                 <a:spcPct val="100000"/>
               </a:lnSpc>
@@ -12628,6 +12810,7 @@
                   <a:srgbClr val="000000"/>
                 </a:solidFill>
                 <a:latin typeface="Calibri"/>
+                <a:ea typeface="DejaVu Sans"/>
               </a:rPr>
               <a:t>r5 = Peripheral Address</a:t>
             </a:r>
@@ -12636,7 +12819,7 @@
             </a:endParaRPr>
           </a:p>
           <a:p>
-            <a:pPr lvl="1" marL="743040" indent="-285120">
+            <a:pPr lvl="1" marL="743040" indent="-284760">
               <a:lnSpc>
                 <a:spcPct val="100000"/>
               </a:lnSpc>
@@ -12655,6 +12838,7 @@
                   <a:srgbClr val="000000"/>
                 </a:solidFill>
                 <a:latin typeface="Calibri"/>
+                <a:ea typeface="DejaVu Sans"/>
               </a:rPr>
               <a:t>r6 = Data Address</a:t>
             </a:r>
@@ -12663,7 +12847,7 @@
             </a:endParaRPr>
           </a:p>
           <a:p>
-            <a:pPr lvl="1" marL="743040" indent="-285120">
+            <a:pPr lvl="1" marL="743040" indent="-284760">
               <a:lnSpc>
                 <a:spcPct val="100000"/>
               </a:lnSpc>
@@ -12682,6 +12866,7 @@
                   <a:srgbClr val="000000"/>
                 </a:solidFill>
                 <a:latin typeface="Calibri"/>
+                <a:ea typeface="DejaVu Sans"/>
               </a:rPr>
               <a:t>r7 = Program Address (loadable or auto-increment)</a:t>
             </a:r>
@@ -12710,7 +12895,7 @@
         <p:spPr>
           <a:xfrm>
             <a:off x="457200" y="6356520"/>
-            <a:ext cx="2133000" cy="364320"/>
+            <a:ext cx="2132640" cy="363960"/>
           </a:xfrm>
           <a:prstGeom prst="rect">
             <a:avLst/>
@@ -12734,12 +12919,13 @@
                 <a:spcPct val="100000"/>
               </a:lnSpc>
             </a:pPr>
-            <a:fld id="{7B8497E3-EB6C-404C-A24C-1F772D9B2003}" type="datetime1">
+            <a:fld id="{1EE27018-075B-4F18-B297-67E6B721A68F}" type="datetime1">
               <a:rPr b="0" lang="en-US" sz="1200" spc="-1" strike="noStrike">
                 <a:solidFill>
                   <a:srgbClr val="8b8b8b"/>
                 </a:solidFill>
                 <a:latin typeface="Calibri"/>
+                <a:ea typeface="DejaVu Sans"/>
               </a:rPr>
               <a:t>04/28/2019</a:t>
             </a:fld>
@@ -12758,7 +12944,7 @@
         <p:spPr>
           <a:xfrm>
             <a:off x="3124080" y="6356520"/>
-            <a:ext cx="2894760" cy="364320"/>
+            <a:ext cx="2894400" cy="363960"/>
           </a:xfrm>
           <a:prstGeom prst="rect">
             <a:avLst/>
@@ -12788,6 +12974,7 @@
                   <a:srgbClr val="8b8b8b"/>
                 </a:solidFill>
                 <a:latin typeface="Calibri"/>
+                <a:ea typeface="DejaVu Sans"/>
               </a:rPr>
               <a:t>R32V2020</a:t>
             </a:r>
@@ -12806,7 +12993,7 @@
         <p:spPr>
           <a:xfrm>
             <a:off x="6553080" y="6356520"/>
-            <a:ext cx="2133000" cy="364320"/>
+            <a:ext cx="2132640" cy="363960"/>
           </a:xfrm>
           <a:prstGeom prst="rect">
             <a:avLst/>
@@ -12830,14 +13017,15 @@
                 <a:spcPct val="100000"/>
               </a:lnSpc>
             </a:pPr>
-            <a:fld id="{A055225F-E8FE-4558-97DC-6E6AE4877B6F}" type="slidenum">
+            <a:fld id="{D1182769-533A-490B-B83A-87A36FB692C4}" type="slidenum">
               <a:rPr b="0" lang="en-US" sz="1200" spc="-1" strike="noStrike">
                 <a:solidFill>
                   <a:srgbClr val="8b8b8b"/>
                 </a:solidFill>
                 <a:latin typeface="Calibri"/>
-              </a:rPr>
-              <a:t>1</a:t>
+                <a:ea typeface="DejaVu Sans"/>
+              </a:rPr>
+              <a:t>&lt;number&gt;</a:t>
             </a:fld>
             <a:endParaRPr b="0" lang="en-US" sz="1200" spc="-1" strike="noStrike">
               <a:latin typeface="Arial"/>
